--- a/Summary/20220202_microbiome_demographic_slides.pptx
+++ b/Summary/20220202_microbiome_demographic_slides.pptx
@@ -5,16 +5,18 @@
     <p:sldMasterId id="2147483648" r:id="rId1"/>
   </p:sldMasterIdLst>
   <p:notesMasterIdLst>
-    <p:notesMasterId r:id="rId9"/>
+    <p:notesMasterId r:id="rId11"/>
   </p:notesMasterIdLst>
   <p:sldIdLst>
     <p:sldId id="256" r:id="rId2"/>
     <p:sldId id="366" r:id="rId3"/>
     <p:sldId id="371" r:id="rId4"/>
     <p:sldId id="365" r:id="rId5"/>
-    <p:sldId id="370" r:id="rId6"/>
-    <p:sldId id="367" r:id="rId7"/>
-    <p:sldId id="368" r:id="rId8"/>
+    <p:sldId id="372" r:id="rId6"/>
+    <p:sldId id="373" r:id="rId7"/>
+    <p:sldId id="370" r:id="rId8"/>
+    <p:sldId id="367" r:id="rId9"/>
+    <p:sldId id="368" r:id="rId10"/>
   </p:sldIdLst>
   <p:sldSz cx="12192000" cy="6858000"/>
   <p:notesSz cx="6858000" cy="9144000"/>
@@ -122,6 +124,8 @@
             <p14:sldId id="366"/>
             <p14:sldId id="371"/>
             <p14:sldId id="365"/>
+            <p14:sldId id="372"/>
+            <p14:sldId id="373"/>
             <p14:sldId id="370"/>
             <p14:sldId id="367"/>
             <p14:sldId id="368"/>
@@ -139,7 +143,8 @@
 <file path=ppt/revisionInfo.xml><?xml version="1.0" encoding="utf-8"?>
 <p1510:revInfo xmlns:a="http://schemas.openxmlformats.org/drawingml/2006/main" xmlns:r="http://schemas.openxmlformats.org/officeDocument/2006/relationships" xmlns:p1510="http://schemas.microsoft.com/office/powerpoint/2015/10/main">
   <p1510:revLst>
-    <p1510:client id="{F98E5A70-1336-4DC7-8A1F-379765E6D606}" v="33" dt="2022-02-02T15:39:07.385"/>
+    <p1510:client id="{58F31FA8-7ABF-4D61-8FC7-8FF69B620662}" v="2" dt="2022-02-02T23:13:45.564"/>
+    <p1510:client id="{F98E5A70-1336-4DC7-8A1F-379765E6D606}" v="798" dt="2022-02-03T01:50:01.968"/>
   </p1510:revLst>
 </p1510:revInfo>
 </file>
@@ -147,9 +152,74 @@
 <file path=ppt/changesInfos/changesInfo1.xml><?xml version="1.0" encoding="utf-8"?>
 <pc:chgInfo xmlns:a="http://schemas.openxmlformats.org/drawingml/2006/main" xmlns:r="http://schemas.openxmlformats.org/officeDocument/2006/relationships" xmlns:ac="http://schemas.microsoft.com/office/drawing/2013/main/command" xmlns:pc="http://schemas.microsoft.com/office/powerpoint/2013/main/command">
   <pc:docChgLst>
+    <pc:chgData name="Jonathan Mah" userId="5261b2f2f3e51194" providerId="LiveId" clId="{58F31FA8-7ABF-4D61-8FC7-8FF69B620662}"/>
+    <pc:docChg chg="addSld delSld modSld sldOrd modSection">
+      <pc:chgData name="Jonathan Mah" userId="5261b2f2f3e51194" providerId="LiveId" clId="{58F31FA8-7ABF-4D61-8FC7-8FF69B620662}" dt="2022-02-02T23:58:51.410" v="4"/>
+      <pc:docMkLst>
+        <pc:docMk/>
+      </pc:docMkLst>
+      <pc:sldChg chg="add">
+        <pc:chgData name="Jonathan Mah" userId="5261b2f2f3e51194" providerId="LiveId" clId="{58F31FA8-7ABF-4D61-8FC7-8FF69B620662}" dt="2022-02-02T22:58:32.346" v="0"/>
+        <pc:sldMkLst>
+          <pc:docMk/>
+          <pc:sldMk cId="1799636727" sldId="326"/>
+        </pc:sldMkLst>
+      </pc:sldChg>
+      <pc:sldChg chg="add">
+        <pc:chgData name="Jonathan Mah" userId="5261b2f2f3e51194" providerId="LiveId" clId="{58F31FA8-7ABF-4D61-8FC7-8FF69B620662}" dt="2022-02-02T22:58:32.346" v="0"/>
+        <pc:sldMkLst>
+          <pc:docMk/>
+          <pc:sldMk cId="3204807575" sldId="327"/>
+        </pc:sldMkLst>
+      </pc:sldChg>
+      <pc:sldChg chg="add del">
+        <pc:chgData name="Jonathan Mah" userId="5261b2f2f3e51194" providerId="LiveId" clId="{58F31FA8-7ABF-4D61-8FC7-8FF69B620662}" dt="2022-02-02T23:13:44.341" v="1" actId="47"/>
+        <pc:sldMkLst>
+          <pc:docMk/>
+          <pc:sldMk cId="676763571" sldId="328"/>
+        </pc:sldMkLst>
+      </pc:sldChg>
+      <pc:sldChg chg="add">
+        <pc:chgData name="Jonathan Mah" userId="5261b2f2f3e51194" providerId="LiveId" clId="{58F31FA8-7ABF-4D61-8FC7-8FF69B620662}" dt="2022-02-02T23:13:45.558" v="2"/>
+        <pc:sldMkLst>
+          <pc:docMk/>
+          <pc:sldMk cId="1711273981" sldId="354"/>
+        </pc:sldMkLst>
+      </pc:sldChg>
+      <pc:sldChg chg="add">
+        <pc:chgData name="Jonathan Mah" userId="5261b2f2f3e51194" providerId="LiveId" clId="{58F31FA8-7ABF-4D61-8FC7-8FF69B620662}" dt="2022-02-02T23:13:45.558" v="2"/>
+        <pc:sldMkLst>
+          <pc:docMk/>
+          <pc:sldMk cId="1188700012" sldId="355"/>
+        </pc:sldMkLst>
+      </pc:sldChg>
+      <pc:sldChg chg="add">
+        <pc:chgData name="Jonathan Mah" userId="5261b2f2f3e51194" providerId="LiveId" clId="{58F31FA8-7ABF-4D61-8FC7-8FF69B620662}" dt="2022-02-02T23:13:45.558" v="2"/>
+        <pc:sldMkLst>
+          <pc:docMk/>
+          <pc:sldMk cId="4150376840" sldId="357"/>
+        </pc:sldMkLst>
+      </pc:sldChg>
+      <pc:sldChg chg="add">
+        <pc:chgData name="Jonathan Mah" userId="5261b2f2f3e51194" providerId="LiveId" clId="{58F31FA8-7ABF-4D61-8FC7-8FF69B620662}" dt="2022-02-02T23:13:45.558" v="2"/>
+        <pc:sldMkLst>
+          <pc:docMk/>
+          <pc:sldMk cId="4192689934" sldId="363"/>
+        </pc:sldMkLst>
+      </pc:sldChg>
+      <pc:sldChg chg="ord">
+        <pc:chgData name="Jonathan Mah" userId="5261b2f2f3e51194" providerId="LiveId" clId="{58F31FA8-7ABF-4D61-8FC7-8FF69B620662}" dt="2022-02-02T23:58:51.410" v="4"/>
+        <pc:sldMkLst>
+          <pc:docMk/>
+          <pc:sldMk cId="3869209520" sldId="365"/>
+        </pc:sldMkLst>
+      </pc:sldChg>
+    </pc:docChg>
+  </pc:docChgLst>
+  <pc:docChgLst>
     <pc:chgData name="Jonathan Mah" userId="5261b2f2f3e51194" providerId="LiveId" clId="{F98E5A70-1336-4DC7-8A1F-379765E6D606}"/>
     <pc:docChg chg="undo custSel addSld delSld modSld sldOrd modSection">
-      <pc:chgData name="Jonathan Mah" userId="5261b2f2f3e51194" providerId="LiveId" clId="{F98E5A70-1336-4DC7-8A1F-379765E6D606}" dt="2022-02-02T15:47:13.994" v="1706" actId="2711"/>
+      <pc:chgData name="Jonathan Mah" userId="5261b2f2f3e51194" providerId="LiveId" clId="{F98E5A70-1336-4DC7-8A1F-379765E6D606}" dt="2022-02-03T01:50:01.968" v="2452"/>
       <pc:docMkLst>
         <pc:docMk/>
       </pc:docMkLst>
@@ -168,14 +238,56 @@
           </ac:spMkLst>
         </pc:spChg>
       </pc:sldChg>
+      <pc:sldChg chg="del">
+        <pc:chgData name="Jonathan Mah" userId="5261b2f2f3e51194" providerId="LiveId" clId="{F98E5A70-1336-4DC7-8A1F-379765E6D606}" dt="2022-02-03T01:48:48.394" v="2186" actId="47"/>
+        <pc:sldMkLst>
+          <pc:docMk/>
+          <pc:sldMk cId="1799636727" sldId="326"/>
+        </pc:sldMkLst>
+      </pc:sldChg>
+      <pc:sldChg chg="del">
+        <pc:chgData name="Jonathan Mah" userId="5261b2f2f3e51194" providerId="LiveId" clId="{F98E5A70-1336-4DC7-8A1F-379765E6D606}" dt="2022-02-03T01:48:44.462" v="2181" actId="47"/>
+        <pc:sldMkLst>
+          <pc:docMk/>
+          <pc:sldMk cId="3204807575" sldId="327"/>
+        </pc:sldMkLst>
+      </pc:sldChg>
+      <pc:sldChg chg="del">
+        <pc:chgData name="Jonathan Mah" userId="5261b2f2f3e51194" providerId="LiveId" clId="{F98E5A70-1336-4DC7-8A1F-379765E6D606}" dt="2022-02-03T01:48:44.633" v="2182" actId="47"/>
+        <pc:sldMkLst>
+          <pc:docMk/>
+          <pc:sldMk cId="1711273981" sldId="354"/>
+        </pc:sldMkLst>
+      </pc:sldChg>
+      <pc:sldChg chg="del">
+        <pc:chgData name="Jonathan Mah" userId="5261b2f2f3e51194" providerId="LiveId" clId="{F98E5A70-1336-4DC7-8A1F-379765E6D606}" dt="2022-02-03T01:48:44.931" v="2183" actId="47"/>
+        <pc:sldMkLst>
+          <pc:docMk/>
+          <pc:sldMk cId="1188700012" sldId="355"/>
+        </pc:sldMkLst>
+      </pc:sldChg>
+      <pc:sldChg chg="del">
+        <pc:chgData name="Jonathan Mah" userId="5261b2f2f3e51194" providerId="LiveId" clId="{F98E5A70-1336-4DC7-8A1F-379765E6D606}" dt="2022-02-03T01:48:45.180" v="2184" actId="47"/>
+        <pc:sldMkLst>
+          <pc:docMk/>
+          <pc:sldMk cId="4150376840" sldId="357"/>
+        </pc:sldMkLst>
+      </pc:sldChg>
+      <pc:sldChg chg="del">
+        <pc:chgData name="Jonathan Mah" userId="5261b2f2f3e51194" providerId="LiveId" clId="{F98E5A70-1336-4DC7-8A1F-379765E6D606}" dt="2022-02-03T01:48:46.003" v="2185" actId="47"/>
+        <pc:sldMkLst>
+          <pc:docMk/>
+          <pc:sldMk cId="4192689934" sldId="363"/>
+        </pc:sldMkLst>
+      </pc:sldChg>
       <pc:sldChg chg="modSp mod">
-        <pc:chgData name="Jonathan Mah" userId="5261b2f2f3e51194" providerId="LiveId" clId="{F98E5A70-1336-4DC7-8A1F-379765E6D606}" dt="2022-02-02T15:39:07.385" v="741"/>
+        <pc:chgData name="Jonathan Mah" userId="5261b2f2f3e51194" providerId="LiveId" clId="{F98E5A70-1336-4DC7-8A1F-379765E6D606}" dt="2022-02-03T01:49:54.211" v="2448"/>
         <pc:sldMkLst>
           <pc:docMk/>
           <pc:sldMk cId="3869209520" sldId="365"/>
         </pc:sldMkLst>
         <pc:graphicFrameChg chg="mod modGraphic">
-          <ac:chgData name="Jonathan Mah" userId="5261b2f2f3e51194" providerId="LiveId" clId="{F98E5A70-1336-4DC7-8A1F-379765E6D606}" dt="2022-02-02T15:39:07.385" v="741"/>
+          <ac:chgData name="Jonathan Mah" userId="5261b2f2f3e51194" providerId="LiveId" clId="{F98E5A70-1336-4DC7-8A1F-379765E6D606}" dt="2022-02-03T01:49:33.033" v="2415" actId="20577"/>
           <ac:graphicFrameMkLst>
             <pc:docMk/>
             <pc:sldMk cId="3869209520" sldId="365"/>
@@ -183,7 +295,7 @@
           </ac:graphicFrameMkLst>
         </pc:graphicFrameChg>
         <pc:graphicFrameChg chg="mod modGraphic">
-          <ac:chgData name="Jonathan Mah" userId="5261b2f2f3e51194" providerId="LiveId" clId="{F98E5A70-1336-4DC7-8A1F-379765E6D606}" dt="2022-02-02T15:21:06.640" v="644"/>
+          <ac:chgData name="Jonathan Mah" userId="5261b2f2f3e51194" providerId="LiveId" clId="{F98E5A70-1336-4DC7-8A1F-379765E6D606}" dt="2022-02-03T01:49:54.211" v="2448"/>
           <ac:graphicFrameMkLst>
             <pc:docMk/>
             <pc:sldMk cId="3869209520" sldId="365"/>
@@ -192,13 +304,21 @@
         </pc:graphicFrameChg>
       </pc:sldChg>
       <pc:sldChg chg="modSp mod">
-        <pc:chgData name="Jonathan Mah" userId="5261b2f2f3e51194" providerId="LiveId" clId="{F98E5A70-1336-4DC7-8A1F-379765E6D606}" dt="2022-02-02T15:40:33.750" v="969" actId="20577"/>
+        <pc:chgData name="Jonathan Mah" userId="5261b2f2f3e51194" providerId="LiveId" clId="{F98E5A70-1336-4DC7-8A1F-379765E6D606}" dt="2022-02-03T01:49:27.509" v="2400" actId="20577"/>
         <pc:sldMkLst>
           <pc:docMk/>
           <pc:sldMk cId="2977728054" sldId="366"/>
         </pc:sldMkLst>
         <pc:spChg chg="mod">
-          <ac:chgData name="Jonathan Mah" userId="5261b2f2f3e51194" providerId="LiveId" clId="{F98E5A70-1336-4DC7-8A1F-379765E6D606}" dt="2022-02-02T15:40:33.750" v="969" actId="20577"/>
+          <ac:chgData name="Jonathan Mah" userId="5261b2f2f3e51194" providerId="LiveId" clId="{F98E5A70-1336-4DC7-8A1F-379765E6D606}" dt="2022-02-03T01:48:55.304" v="2197" actId="20577"/>
+          <ac:spMkLst>
+            <pc:docMk/>
+            <pc:sldMk cId="2977728054" sldId="366"/>
+            <ac:spMk id="2" creationId="{8BCDC7F3-0026-4ABC-A1FB-A556D653FBF1}"/>
+          </ac:spMkLst>
+        </pc:spChg>
+        <pc:spChg chg="mod">
+          <ac:chgData name="Jonathan Mah" userId="5261b2f2f3e51194" providerId="LiveId" clId="{F98E5A70-1336-4DC7-8A1F-379765E6D606}" dt="2022-02-03T01:49:27.509" v="2400" actId="20577"/>
           <ac:spMkLst>
             <pc:docMk/>
             <pc:sldMk cId="2977728054" sldId="366"/>
@@ -359,6 +479,59 @@
             <ac:spMk id="2" creationId="{70F90637-4A30-4F71-8DC3-12B316BD2A1B}"/>
           </ac:spMkLst>
         </pc:spChg>
+      </pc:sldChg>
+      <pc:sldChg chg="modSp add mod">
+        <pc:chgData name="Jonathan Mah" userId="5261b2f2f3e51194" providerId="LiveId" clId="{F98E5A70-1336-4DC7-8A1F-379765E6D606}" dt="2022-02-03T01:49:58.048" v="2450"/>
+        <pc:sldMkLst>
+          <pc:docMk/>
+          <pc:sldMk cId="1192562467" sldId="372"/>
+        </pc:sldMkLst>
+        <pc:graphicFrameChg chg="mod modGraphic">
+          <ac:chgData name="Jonathan Mah" userId="5261b2f2f3e51194" providerId="LiveId" clId="{F98E5A70-1336-4DC7-8A1F-379765E6D606}" dt="2022-02-03T01:49:37.722" v="2430" actId="20577"/>
+          <ac:graphicFrameMkLst>
+            <pc:docMk/>
+            <pc:sldMk cId="1192562467" sldId="372"/>
+            <ac:graphicFrameMk id="4" creationId="{9E9C2D6D-C88A-4673-80AA-945CF4B768D4}"/>
+          </ac:graphicFrameMkLst>
+        </pc:graphicFrameChg>
+        <pc:graphicFrameChg chg="mod modGraphic">
+          <ac:chgData name="Jonathan Mah" userId="5261b2f2f3e51194" providerId="LiveId" clId="{F98E5A70-1336-4DC7-8A1F-379765E6D606}" dt="2022-02-03T01:49:58.048" v="2450"/>
+          <ac:graphicFrameMkLst>
+            <pc:docMk/>
+            <pc:sldMk cId="1192562467" sldId="372"/>
+            <ac:graphicFrameMk id="5" creationId="{33C1E931-5DCE-44D1-8B5E-03DF8DCA05A8}"/>
+          </ac:graphicFrameMkLst>
+        </pc:graphicFrameChg>
+      </pc:sldChg>
+      <pc:sldChg chg="modSp add mod">
+        <pc:chgData name="Jonathan Mah" userId="5261b2f2f3e51194" providerId="LiveId" clId="{F98E5A70-1336-4DC7-8A1F-379765E6D606}" dt="2022-02-03T01:50:01.968" v="2452"/>
+        <pc:sldMkLst>
+          <pc:docMk/>
+          <pc:sldMk cId="1982982329" sldId="373"/>
+        </pc:sldMkLst>
+        <pc:graphicFrameChg chg="mod modGraphic">
+          <ac:chgData name="Jonathan Mah" userId="5261b2f2f3e51194" providerId="LiveId" clId="{F98E5A70-1336-4DC7-8A1F-379765E6D606}" dt="2022-02-03T01:49:43.566" v="2445" actId="20577"/>
+          <ac:graphicFrameMkLst>
+            <pc:docMk/>
+            <pc:sldMk cId="1982982329" sldId="373"/>
+            <ac:graphicFrameMk id="4" creationId="{9E9C2D6D-C88A-4673-80AA-945CF4B768D4}"/>
+          </ac:graphicFrameMkLst>
+        </pc:graphicFrameChg>
+        <pc:graphicFrameChg chg="mod modGraphic">
+          <ac:chgData name="Jonathan Mah" userId="5261b2f2f3e51194" providerId="LiveId" clId="{F98E5A70-1336-4DC7-8A1F-379765E6D606}" dt="2022-02-03T01:50:01.968" v="2452"/>
+          <ac:graphicFrameMkLst>
+            <pc:docMk/>
+            <pc:sldMk cId="1982982329" sldId="373"/>
+            <ac:graphicFrameMk id="5" creationId="{33C1E931-5DCE-44D1-8B5E-03DF8DCA05A8}"/>
+          </ac:graphicFrameMkLst>
+        </pc:graphicFrameChg>
+      </pc:sldChg>
+      <pc:sldChg chg="add del">
+        <pc:chgData name="Jonathan Mah" userId="5261b2f2f3e51194" providerId="LiveId" clId="{F98E5A70-1336-4DC7-8A1F-379765E6D606}" dt="2022-02-03T00:59:39.978" v="2108" actId="47"/>
+        <pc:sldMkLst>
+          <pc:docMk/>
+          <pc:sldMk cId="4061838517" sldId="374"/>
+        </pc:sldMkLst>
       </pc:sldChg>
     </pc:docChg>
   </pc:docChgLst>
@@ -4097,7 +4270,7 @@
                 <a:latin typeface="Yu Gothic" panose="020B0400000000000000" pitchFamily="34" charset="-128"/>
                 <a:ea typeface="Yu Gothic" panose="020B0400000000000000" pitchFamily="34" charset="-128"/>
               </a:rPr>
-              <a:t>Summary of Update</a:t>
+              <a:t>Summary of Update (part 2)</a:t>
             </a:r>
           </a:p>
         </p:txBody>
@@ -4121,7 +4294,7 @@
         <p:spPr/>
         <p:txBody>
           <a:bodyPr>
-            <a:normAutofit fontScale="92500" lnSpcReduction="10000"/>
+            <a:normAutofit/>
           </a:bodyPr>
           <a:lstStyle/>
           <a:p>
@@ -4130,7 +4303,7 @@
                 <a:latin typeface="Yu Gothic" panose="020B0400000000000000" pitchFamily="34" charset="-128"/>
                 <a:ea typeface="Yu Gothic" panose="020B0400000000000000" pitchFamily="34" charset="-128"/>
               </a:rPr>
-              <a:t>Given model SFS (from any inference) and empirical data, I can compute log likelihood</a:t>
+              <a:t>Log likelihoods for one-epoch vs. multi-epoch inferences.</a:t>
             </a:r>
           </a:p>
           <a:p>
@@ -4140,73 +4313,7 @@
                 <a:latin typeface="Yu Gothic" panose="020B0400000000000000" pitchFamily="34" charset="-128"/>
                 <a:ea typeface="Yu Gothic" panose="020B0400000000000000" pitchFamily="34" charset="-128"/>
               </a:rPr>
-              <a:t>I don’t believe there is a way to quickly compute a likelihood from just params, you also need the model SFS.</a:t>
-            </a:r>
-          </a:p>
-          <a:p>
-            <a:pPr lvl="1"/>
-            <a:r>
-              <a:rPr lang="en-US" dirty="0">
-                <a:latin typeface="Yu Gothic" panose="020B0400000000000000" pitchFamily="34" charset="-128"/>
-                <a:ea typeface="Yu Gothic" panose="020B0400000000000000" pitchFamily="34" charset="-128"/>
-              </a:rPr>
-              <a:t>However, I think you can quickly fit params </a:t>
-            </a:r>
-            <a:r>
-              <a:rPr lang="en-US" dirty="0">
-                <a:latin typeface="Yu Gothic" panose="020B0400000000000000" pitchFamily="34" charset="-128"/>
-                <a:ea typeface="Yu Gothic" panose="020B0400000000000000" pitchFamily="34" charset="-128"/>
-                <a:sym typeface="Wingdings" panose="05000000000000000000" pitchFamily="2" charset="2"/>
-              </a:rPr>
-              <a:t> model </a:t>
-            </a:r>
-            <a:r>
-              <a:rPr lang="en-US" dirty="0" err="1">
-                <a:latin typeface="Yu Gothic" panose="020B0400000000000000" pitchFamily="34" charset="-128"/>
-                <a:ea typeface="Yu Gothic" panose="020B0400000000000000" pitchFamily="34" charset="-128"/>
-                <a:sym typeface="Wingdings" panose="05000000000000000000" pitchFamily="2" charset="2"/>
-              </a:rPr>
-              <a:t>sfs</a:t>
-            </a:r>
-            <a:r>
-              <a:rPr lang="en-US" dirty="0">
-                <a:latin typeface="Yu Gothic" panose="020B0400000000000000" pitchFamily="34" charset="-128"/>
-                <a:ea typeface="Yu Gothic" panose="020B0400000000000000" pitchFamily="34" charset="-128"/>
-                <a:sym typeface="Wingdings" panose="05000000000000000000" pitchFamily="2" charset="2"/>
-              </a:rPr>
-              <a:t>  likelihood, but that’s still WIP</a:t>
-            </a:r>
-            <a:endParaRPr lang="en-US" dirty="0">
-              <a:latin typeface="Yu Gothic" panose="020B0400000000000000" pitchFamily="34" charset="-128"/>
-              <a:ea typeface="Yu Gothic" panose="020B0400000000000000" pitchFamily="34" charset="-128"/>
-            </a:endParaRPr>
-          </a:p>
-          <a:p>
-            <a:r>
-              <a:rPr lang="en-US" dirty="0">
-                <a:latin typeface="Yu Gothic" panose="020B0400000000000000" pitchFamily="34" charset="-128"/>
-                <a:ea typeface="Yu Gothic" panose="020B0400000000000000" pitchFamily="34" charset="-128"/>
-              </a:rPr>
-              <a:t>Took a closer look at several demographic inferences from when I first started fitting the demographic models and compared two-epoch vs. one-epoch.</a:t>
-            </a:r>
-          </a:p>
-          <a:p>
-            <a:pPr lvl="1"/>
-            <a:r>
-              <a:rPr lang="en-US" dirty="0">
-                <a:latin typeface="Yu Gothic" panose="020B0400000000000000" pitchFamily="34" charset="-128"/>
-                <a:ea typeface="Yu Gothic" panose="020B0400000000000000" pitchFamily="34" charset="-128"/>
-              </a:rPr>
-              <a:t>For some, there is difference in likelihood and SFS, but not all</a:t>
-            </a:r>
-          </a:p>
-          <a:p>
-            <a:r>
-              <a:rPr lang="en-US" dirty="0">
-                <a:latin typeface="Yu Gothic" panose="020B0400000000000000" pitchFamily="34" charset="-128"/>
-                <a:ea typeface="Yu Gothic" panose="020B0400000000000000" pitchFamily="34" charset="-128"/>
-              </a:rPr>
-              <a:t>Plotted out SFS comparison for three examples (one with same and two with different likelihood)</a:t>
+              <a:t>As a side note, I took the best inference from across 4 models, so the more complex models are not limited to just two-epoch inferences.</a:t>
             </a:r>
           </a:p>
           <a:p>
@@ -4419,7 +4526,7 @@
           <p:nvPr>
             <p:extLst>
               <p:ext uri="{D42A27DB-BD31-4B8C-83A1-F6EECF244321}">
-                <p14:modId xmlns:p14="http://schemas.microsoft.com/office/powerpoint/2010/main" val="288487605"/>
+                <p14:modId xmlns:p14="http://schemas.microsoft.com/office/powerpoint/2010/main" val="587793529"/>
               </p:ext>
             </p:extLst>
           </p:nvPr>
@@ -4501,25 +4608,29 @@
                     <a:lstStyle/>
                     <a:p>
                       <a:pPr marL="0" indent="0">
+                        <a:buFont typeface="+mj-lt"/>
                         <a:buNone/>
                       </a:pPr>
                       <a:r>
-                        <a:rPr lang="en-US" sz="1400" dirty="0">
-                          <a:latin typeface="Yu Gothic" panose="020B0400000000000000" pitchFamily="34" charset="-128"/>
-                          <a:ea typeface="Yu Gothic" panose="020B0400000000000000" pitchFamily="34" charset="-128"/>
-                        </a:rPr>
-                        <a:t>B. </a:t>
-                      </a:r>
-                      <a:r>
-                        <a:rPr lang="en-US" sz="1400" dirty="0" err="1">
-                          <a:latin typeface="Yu Gothic" panose="020B0400000000000000" pitchFamily="34" charset="-128"/>
-                          <a:ea typeface="Yu Gothic" panose="020B0400000000000000" pitchFamily="34" charset="-128"/>
-                        </a:rPr>
-                        <a:t>vulgatus</a:t>
-                      </a:r>
-                      <a:endParaRPr lang="en-US" sz="1400" dirty="0">
-                        <a:latin typeface="Yu Gothic" panose="020B0400000000000000" pitchFamily="34" charset="-128"/>
-                        <a:ea typeface="Yu Gothic" panose="020B0400000000000000" pitchFamily="34" charset="-128"/>
+                        <a:rPr lang="en-US" sz="1500" dirty="0">
+                          <a:solidFill>
+                            <a:schemeClr val="accent1"/>
+                          </a:solidFill>
+                        </a:rPr>
+                        <a:t>A. </a:t>
+                      </a:r>
+                      <a:r>
+                        <a:rPr lang="en-US" sz="1500" dirty="0" err="1">
+                          <a:solidFill>
+                            <a:schemeClr val="accent1"/>
+                          </a:solidFill>
+                        </a:rPr>
+                        <a:t>finegoldii</a:t>
+                      </a:r>
+                      <a:endParaRPr lang="en-US" sz="1500" dirty="0">
+                        <a:solidFill>
+                          <a:schemeClr val="accent1"/>
+                        </a:solidFill>
                       </a:endParaRPr>
                     </a:p>
                   </a:txBody>
@@ -4531,31 +4642,79 @@
                     <a:lstStyle/>
                     <a:p>
                       <a:pPr marL="0" indent="0">
+                        <a:buFont typeface="+mj-lt"/>
                         <a:buNone/>
                       </a:pPr>
                       <a:r>
+                        <a:rPr lang="en-US" sz="1500" dirty="0">
+                          <a:solidFill>
+                            <a:schemeClr val="accent1"/>
+                          </a:solidFill>
+                        </a:rPr>
+                        <a:t>A. </a:t>
+                      </a:r>
+                      <a:r>
+                        <a:rPr lang="en-US" sz="1500" dirty="0" err="1">
+                          <a:solidFill>
+                            <a:schemeClr val="accent1"/>
+                          </a:solidFill>
+                        </a:rPr>
+                        <a:t>muciniphila</a:t>
+                      </a:r>
+                      <a:endParaRPr lang="en-US" sz="1500" dirty="0">
+                        <a:solidFill>
+                          <a:schemeClr val="accent1"/>
+                        </a:solidFill>
+                      </a:endParaRPr>
+                    </a:p>
+                  </a:txBody>
+                  <a:tcPr/>
+                </a:tc>
+                <a:tc>
+                  <a:txBody>
+                    <a:bodyPr/>
+                    <a:lstStyle/>
+                    <a:p>
+                      <a:pPr marL="0" marR="0" lvl="0" indent="0" algn="l" defTabSz="914400" rtl="0" eaLnBrk="1" fontAlgn="auto" latinLnBrk="0" hangingPunct="1">
+                        <a:lnSpc>
+                          <a:spcPct val="100000"/>
+                        </a:lnSpc>
+                        <a:spcBef>
+                          <a:spcPts val="0"/>
+                        </a:spcBef>
+                        <a:spcAft>
+                          <a:spcPts val="0"/>
+                        </a:spcAft>
+                        <a:buClrTx/>
+                        <a:buSzTx/>
+                        <a:buFont typeface="+mj-lt"/>
+                        <a:buNone/>
+                        <a:tabLst/>
+                        <a:defRPr/>
+                      </a:pPr>
+                      <a:r>
                         <a:rPr lang="en-US" sz="1400" dirty="0">
                           <a:solidFill>
-                            <a:schemeClr val="bg1"/>
+                            <a:schemeClr val="accent1"/>
                           </a:solidFill>
                           <a:latin typeface="Yu Gothic" panose="020B0400000000000000" pitchFamily="34" charset="-128"/>
                           <a:ea typeface="Yu Gothic" panose="020B0400000000000000" pitchFamily="34" charset="-128"/>
                         </a:rPr>
-                        <a:t>B. </a:t>
+                        <a:t>A. </a:t>
                       </a:r>
                       <a:r>
                         <a:rPr lang="en-US" sz="1400" dirty="0" err="1">
                           <a:solidFill>
-                            <a:schemeClr val="bg1"/>
+                            <a:schemeClr val="accent1"/>
                           </a:solidFill>
                           <a:latin typeface="Yu Gothic" panose="020B0400000000000000" pitchFamily="34" charset="-128"/>
                           <a:ea typeface="Yu Gothic" panose="020B0400000000000000" pitchFamily="34" charset="-128"/>
                         </a:rPr>
-                        <a:t>uniformis</a:t>
+                        <a:t>onderdonkii</a:t>
                       </a:r>
                       <a:endParaRPr lang="en-US" sz="1400" dirty="0">
                         <a:solidFill>
-                          <a:schemeClr val="bg1"/>
+                          <a:schemeClr val="accent1"/>
                         </a:solidFill>
                         <a:latin typeface="Yu Gothic" panose="020B0400000000000000" pitchFamily="34" charset="-128"/>
                         <a:ea typeface="Yu Gothic" panose="020B0400000000000000" pitchFamily="34" charset="-128"/>
@@ -4622,36 +4781,6 @@
                     <a:bodyPr/>
                     <a:lstStyle/>
                     <a:p>
-                      <a:pPr marL="0" indent="0">
-                        <a:buNone/>
-                      </a:pPr>
-                      <a:r>
-                        <a:rPr lang="en-US" sz="1400" dirty="0">
-                          <a:latin typeface="Yu Gothic" panose="020B0400000000000000" pitchFamily="34" charset="-128"/>
-                          <a:ea typeface="Yu Gothic" panose="020B0400000000000000" pitchFamily="34" charset="-128"/>
-                        </a:rPr>
-                        <a:t>E. </a:t>
-                      </a:r>
-                      <a:r>
-                        <a:rPr lang="en-US" sz="1400" dirty="0" err="1">
-                          <a:latin typeface="Yu Gothic" panose="020B0400000000000000" pitchFamily="34" charset="-128"/>
-                          <a:ea typeface="Yu Gothic" panose="020B0400000000000000" pitchFamily="34" charset="-128"/>
-                        </a:rPr>
-                        <a:t>rectale</a:t>
-                      </a:r>
-                      <a:endParaRPr lang="en-US" sz="1400" dirty="0">
-                        <a:latin typeface="Yu Gothic" panose="020B0400000000000000" pitchFamily="34" charset="-128"/>
-                        <a:ea typeface="Yu Gothic" panose="020B0400000000000000" pitchFamily="34" charset="-128"/>
-                      </a:endParaRPr>
-                    </a:p>
-                  </a:txBody>
-                  <a:tcPr/>
-                </a:tc>
-                <a:tc>
-                  <a:txBody>
-                    <a:bodyPr/>
-                    <a:lstStyle/>
-                    <a:p>
                       <a:pPr marL="0" marR="0" lvl="0" indent="0" algn="l" defTabSz="914400" rtl="0" eaLnBrk="1" fontAlgn="auto" latinLnBrk="0" hangingPunct="1">
                         <a:lnSpc>
                           <a:spcPct val="100000"/>
@@ -4664,7 +4793,7 @@
                         </a:spcAft>
                         <a:buClrTx/>
                         <a:buSzTx/>
-                        <a:buFontTx/>
+                        <a:buFont typeface="+mj-lt"/>
                         <a:buNone/>
                         <a:tabLst/>
                         <a:defRPr/>
@@ -4674,14 +4803,14 @@
                           <a:latin typeface="Yu Gothic" panose="020B0400000000000000" pitchFamily="34" charset="-128"/>
                           <a:ea typeface="Yu Gothic" panose="020B0400000000000000" pitchFamily="34" charset="-128"/>
                         </a:rPr>
-                        <a:t>B. </a:t>
+                        <a:t>A. </a:t>
                       </a:r>
                       <a:r>
                         <a:rPr lang="en-US" sz="1400" dirty="0" err="1">
                           <a:latin typeface="Yu Gothic" panose="020B0400000000000000" pitchFamily="34" charset="-128"/>
                           <a:ea typeface="Yu Gothic" panose="020B0400000000000000" pitchFamily="34" charset="-128"/>
                         </a:rPr>
-                        <a:t>stercoris</a:t>
+                        <a:t>shahii</a:t>
                       </a:r>
                       <a:endParaRPr lang="en-US" sz="1400" dirty="0">
                         <a:latin typeface="Yu Gothic" panose="020B0400000000000000" pitchFamily="34" charset="-128"/>
@@ -4708,7 +4837,41 @@
                           <a:latin typeface="Yu Gothic" panose="020B0400000000000000" pitchFamily="34" charset="-128"/>
                           <a:ea typeface="Yu Gothic" panose="020B0400000000000000" pitchFamily="34" charset="-128"/>
                         </a:rPr>
-                        <a:t>Two Epoch</a:t>
+                        <a:t>Multiple Epochs</a:t>
+                      </a:r>
+                    </a:p>
+                  </a:txBody>
+                  <a:tcPr/>
+                </a:tc>
+                <a:tc>
+                  <a:txBody>
+                    <a:bodyPr/>
+                    <a:lstStyle/>
+                    <a:p>
+                      <a:r>
+                        <a:rPr lang="en-US" sz="1500" dirty="0">
+                          <a:solidFill>
+                            <a:schemeClr val="accent1"/>
+                          </a:solidFill>
+                        </a:rPr>
+                        <a:t>-278.496899764</a:t>
+                      </a:r>
+                    </a:p>
+                  </a:txBody>
+                  <a:tcPr/>
+                </a:tc>
+                <a:tc>
+                  <a:txBody>
+                    <a:bodyPr/>
+                    <a:lstStyle/>
+                    <a:p>
+                      <a:r>
+                        <a:rPr lang="en-US" sz="1500" dirty="0">
+                          <a:solidFill>
+                            <a:schemeClr val="accent1"/>
+                          </a:solidFill>
+                        </a:rPr>
+                        <a:t>-108.804915489</a:t>
                       </a:r>
                     </a:p>
                   </a:txBody>
@@ -4721,10 +4884,13 @@
                     <a:p>
                       <a:r>
                         <a:rPr lang="en-US" sz="1400" dirty="0">
+                          <a:solidFill>
+                            <a:schemeClr val="accent1"/>
+                          </a:solidFill>
                           <a:latin typeface="Yu Gothic" panose="020B0400000000000000" pitchFamily="34" charset="-128"/>
                           <a:ea typeface="Yu Gothic" panose="020B0400000000000000" pitchFamily="34" charset="-128"/>
                         </a:rPr>
-                        <a:t>-142.247487889</a:t>
+                        <a:t>-309.462783761</a:t>
                       </a:r>
                     </a:p>
                   </a:txBody>
@@ -4743,25 +4909,6 @@
                           <a:latin typeface="Yu Gothic" panose="020B0400000000000000" pitchFamily="34" charset="-128"/>
                           <a:ea typeface="Yu Gothic" panose="020B0400000000000000" pitchFamily="34" charset="-128"/>
                         </a:rPr>
-                        <a:t>-253.217173904</a:t>
-                      </a:r>
-                    </a:p>
-                  </a:txBody>
-                  <a:tcPr/>
-                </a:tc>
-                <a:tc>
-                  <a:txBody>
-                    <a:bodyPr/>
-                    <a:lstStyle/>
-                    <a:p>
-                      <a:r>
-                        <a:rPr lang="en-US" sz="1400" dirty="0">
-                          <a:solidFill>
-                            <a:schemeClr val="tx1"/>
-                          </a:solidFill>
-                          <a:latin typeface="Yu Gothic" panose="020B0400000000000000" pitchFamily="34" charset="-128"/>
-                          <a:ea typeface="Yu Gothic" panose="020B0400000000000000" pitchFamily="34" charset="-128"/>
-                        </a:rPr>
                         <a:t>-1377.6483033</a:t>
                       </a:r>
                     </a:p>
@@ -4778,23 +4925,7 @@
                           <a:latin typeface="Yu Gothic" panose="020B0400000000000000" pitchFamily="34" charset="-128"/>
                           <a:ea typeface="Yu Gothic" panose="020B0400000000000000" pitchFamily="34" charset="-128"/>
                         </a:rPr>
-                        <a:t>-621.965867927</a:t>
-                      </a:r>
-                    </a:p>
-                  </a:txBody>
-                  <a:tcPr/>
-                </a:tc>
-                <a:tc>
-                  <a:txBody>
-                    <a:bodyPr/>
-                    <a:lstStyle/>
-                    <a:p>
-                      <a:r>
-                        <a:rPr lang="en-US" sz="1400" dirty="0">
-                          <a:latin typeface="Yu Gothic" panose="020B0400000000000000" pitchFamily="34" charset="-128"/>
-                          <a:ea typeface="Yu Gothic" panose="020B0400000000000000" pitchFamily="34" charset="-128"/>
-                        </a:rPr>
-                        <a:t>-508.742298381</a:t>
+                        <a:t>-216.820717424</a:t>
                       </a:r>
                     </a:p>
                   </a:txBody>
@@ -4829,11 +4960,48 @@
                     <a:lstStyle/>
                     <a:p>
                       <a:r>
+                        <a:rPr lang="en-US" sz="1500" dirty="0">
+                          <a:solidFill>
+                            <a:schemeClr val="accent1"/>
+                          </a:solidFill>
+                        </a:rPr>
+                        <a:t>-479.21577207</a:t>
+                      </a:r>
+                    </a:p>
+                  </a:txBody>
+                  <a:tcPr/>
+                </a:tc>
+                <a:tc>
+                  <a:txBody>
+                    <a:bodyPr/>
+                    <a:lstStyle/>
+                    <a:p>
+                      <a:r>
+                        <a:rPr lang="en-US" sz="1500" dirty="0">
+                          <a:solidFill>
+                            <a:schemeClr val="accent1"/>
+                          </a:solidFill>
+                        </a:rPr>
+                        <a:t>-154.628390672</a:t>
+                      </a:r>
+                    </a:p>
+                  </a:txBody>
+                  <a:tcPr/>
+                </a:tc>
+                <a:tc>
+                  <a:txBody>
+                    <a:bodyPr/>
+                    <a:lstStyle/>
+                    <a:p>
+                      <a:r>
                         <a:rPr lang="en-US" sz="1400" dirty="0">
+                          <a:solidFill>
+                            <a:schemeClr val="accent1"/>
+                          </a:solidFill>
                           <a:latin typeface="Yu Gothic" panose="020B0400000000000000" pitchFamily="34" charset="-128"/>
                           <a:ea typeface="Yu Gothic" panose="020B0400000000000000" pitchFamily="34" charset="-128"/>
                         </a:rPr>
-                        <a:t>-142.247482051</a:t>
+                        <a:t>-409.666652485</a:t>
                       </a:r>
                     </a:p>
                   </a:txBody>
@@ -4852,25 +5020,6 @@
                           <a:latin typeface="Yu Gothic" panose="020B0400000000000000" pitchFamily="34" charset="-128"/>
                           <a:ea typeface="Yu Gothic" panose="020B0400000000000000" pitchFamily="34" charset="-128"/>
                         </a:rPr>
-                        <a:t>-253.217142467</a:t>
-                      </a:r>
-                    </a:p>
-                  </a:txBody>
-                  <a:tcPr/>
-                </a:tc>
-                <a:tc>
-                  <a:txBody>
-                    <a:bodyPr/>
-                    <a:lstStyle/>
-                    <a:p>
-                      <a:r>
-                        <a:rPr lang="en-US" sz="1400" dirty="0">
-                          <a:solidFill>
-                            <a:schemeClr val="tx1"/>
-                          </a:solidFill>
-                          <a:latin typeface="Yu Gothic" panose="020B0400000000000000" pitchFamily="34" charset="-128"/>
-                          <a:ea typeface="Yu Gothic" panose="020B0400000000000000" pitchFamily="34" charset="-128"/>
-                        </a:rPr>
                         <a:t>-1377.64826898</a:t>
                       </a:r>
                     </a:p>
@@ -4887,23 +5036,7 @@
                           <a:latin typeface="Yu Gothic" panose="020B0400000000000000" pitchFamily="34" charset="-128"/>
                           <a:ea typeface="Yu Gothic" panose="020B0400000000000000" pitchFamily="34" charset="-128"/>
                         </a:rPr>
-                        <a:t>-621.965862866</a:t>
-                      </a:r>
-                    </a:p>
-                  </a:txBody>
-                  <a:tcPr/>
-                </a:tc>
-                <a:tc>
-                  <a:txBody>
-                    <a:bodyPr/>
-                    <a:lstStyle/>
-                    <a:p>
-                      <a:r>
-                        <a:rPr lang="en-US" sz="1400" dirty="0">
-                          <a:latin typeface="Yu Gothic" panose="020B0400000000000000" pitchFamily="34" charset="-128"/>
-                          <a:ea typeface="Yu Gothic" panose="020B0400000000000000" pitchFamily="34" charset="-128"/>
-                        </a:rPr>
-                        <a:t>-508.742293081</a:t>
+                        <a:t>-216.820715173</a:t>
                       </a:r>
                     </a:p>
                   </a:txBody>
@@ -4934,7 +5067,7 @@
           <p:nvPr>
             <p:extLst>
               <p:ext uri="{D42A27DB-BD31-4B8C-83A1-F6EECF244321}">
-                <p14:modId xmlns:p14="http://schemas.microsoft.com/office/powerpoint/2010/main" val="4027075717"/>
+                <p14:modId xmlns:p14="http://schemas.microsoft.com/office/powerpoint/2010/main" val="2472528906"/>
               </p:ext>
             </p:extLst>
           </p:nvPr>
@@ -5012,52 +5145,57 @@
                     <a:bodyPr/>
                     <a:lstStyle/>
                     <a:p>
-                      <a:pPr marL="342900" indent="-342900">
-                        <a:buAutoNum type="alphaUcPeriod"/>
-                      </a:pPr>
-                      <a:r>
-                        <a:rPr lang="en-US" sz="1500" dirty="0" err="1"/>
-                        <a:t>finegoldii</a:t>
-                      </a:r>
-                      <a:endParaRPr lang="en-US" sz="1500" dirty="0"/>
-                    </a:p>
-                  </a:txBody>
-                  <a:tcPr/>
-                </a:tc>
-                <a:tc>
-                  <a:txBody>
-                    <a:bodyPr/>
-                    <a:lstStyle/>
-                    <a:p>
-                      <a:pPr marL="342900" indent="-342900">
-                        <a:buAutoNum type="alphaUcPeriod"/>
-                      </a:pPr>
-                      <a:r>
-                        <a:rPr lang="en-US" sz="1500" dirty="0" err="1"/>
-                        <a:t>muciniphila</a:t>
-                      </a:r>
-                      <a:endParaRPr lang="en-US" sz="1500" dirty="0"/>
-                    </a:p>
-                  </a:txBody>
-                  <a:tcPr/>
-                </a:tc>
-                <a:tc>
-                  <a:txBody>
-                    <a:bodyPr/>
-                    <a:lstStyle/>
-                    <a:p>
                       <a:pPr marL="0" indent="0">
                         <a:buNone/>
                       </a:pPr>
                       <a:r>
-                        <a:rPr lang="en-US" sz="1500" dirty="0"/>
+                        <a:rPr lang="en-US" sz="1500" dirty="0">
+                          <a:solidFill>
+                            <a:schemeClr val="accent1"/>
+                          </a:solidFill>
+                        </a:rPr>
+                        <a:t>B. bacterium</a:t>
+                      </a:r>
+                    </a:p>
+                  </a:txBody>
+                  <a:tcPr/>
+                </a:tc>
+                <a:tc>
+                  <a:txBody>
+                    <a:bodyPr/>
+                    <a:lstStyle/>
+                    <a:p>
+                      <a:pPr marL="0" indent="0">
+                        <a:buFont typeface="+mj-lt"/>
+                        <a:buNone/>
+                      </a:pPr>
+                      <a:r>
+                        <a:rPr lang="en-US" sz="1500" dirty="0">
+                          <a:solidFill>
+                            <a:schemeClr val="accent6">
+                              <a:lumMod val="75000"/>
+                            </a:schemeClr>
+                          </a:solidFill>
+                        </a:rPr>
                         <a:t>B. </a:t>
                       </a:r>
                       <a:r>
-                        <a:rPr lang="en-US" sz="1500" dirty="0" err="1"/>
-                        <a:t>cellulolyticus</a:t>
-                      </a:r>
-                      <a:endParaRPr lang="en-US" sz="1500" dirty="0"/>
+                        <a:rPr lang="en-US" sz="1500" dirty="0" err="1">
+                          <a:solidFill>
+                            <a:schemeClr val="accent6">
+                              <a:lumMod val="75000"/>
+                            </a:schemeClr>
+                          </a:solidFill>
+                        </a:rPr>
+                        <a:t>caccae</a:t>
+                      </a:r>
+                      <a:endParaRPr lang="en-US" sz="1500" dirty="0">
+                        <a:solidFill>
+                          <a:schemeClr val="accent6">
+                            <a:lumMod val="75000"/>
+                          </a:schemeClr>
+                        </a:solidFill>
+                      </a:endParaRPr>
                     </a:p>
                   </a:txBody>
                   <a:tcPr/>
@@ -5072,6 +5210,27 @@
                       </a:pPr>
                       <a:r>
                         <a:rPr lang="en-US" sz="1500" dirty="0"/>
+                        <a:t>B. </a:t>
+                      </a:r>
+                      <a:r>
+                        <a:rPr lang="en-US" sz="1500" dirty="0" err="1"/>
+                        <a:t>cellulolyticus</a:t>
+                      </a:r>
+                      <a:endParaRPr lang="en-US" sz="1500" dirty="0"/>
+                    </a:p>
+                  </a:txBody>
+                  <a:tcPr/>
+                </a:tc>
+                <a:tc>
+                  <a:txBody>
+                    <a:bodyPr/>
+                    <a:lstStyle/>
+                    <a:p>
+                      <a:pPr marL="0" indent="0">
+                        <a:buNone/>
+                      </a:pPr>
+                      <a:r>
+                        <a:rPr lang="en-US" sz="1500" dirty="0"/>
                         <a:t>B. fragilis</a:t>
                       </a:r>
                     </a:p>
@@ -5083,15 +5242,31 @@
                     <a:bodyPr/>
                     <a:lstStyle/>
                     <a:p>
-                      <a:r>
-                        <a:rPr lang="en-US" sz="1500" dirty="0"/>
-                        <a:t>E. </a:t>
-                      </a:r>
-                      <a:r>
-                        <a:rPr lang="en-US" sz="1500" dirty="0" err="1"/>
-                        <a:t>eligens</a:t>
-                      </a:r>
-                      <a:endParaRPr lang="en-US" sz="1500" dirty="0"/>
+                      <a:pPr marL="0" indent="0">
+                        <a:buFont typeface="+mj-lt"/>
+                        <a:buNone/>
+                      </a:pPr>
+                      <a:r>
+                        <a:rPr lang="en-US" sz="1500" dirty="0">
+                          <a:solidFill>
+                            <a:schemeClr val="accent1"/>
+                          </a:solidFill>
+                        </a:rPr>
+                        <a:t>B. </a:t>
+                      </a:r>
+                      <a:r>
+                        <a:rPr lang="en-US" sz="1500" dirty="0" err="1">
+                          <a:solidFill>
+                            <a:schemeClr val="accent1"/>
+                          </a:solidFill>
+                        </a:rPr>
+                        <a:t>intestinihominis</a:t>
+                      </a:r>
+                      <a:endParaRPr lang="en-US" sz="1500" dirty="0">
+                        <a:solidFill>
+                          <a:schemeClr val="accent1"/>
+                        </a:solidFill>
+                      </a:endParaRPr>
                     </a:p>
                   </a:txBody>
                   <a:tcPr/>
@@ -5109,34 +5284,44 @@
                     <a:lstStyle/>
                     <a:p>
                       <a:r>
-                        <a:rPr lang="en-US" sz="1500"/>
-                        <a:t>Two Epoch</a:t>
-                      </a:r>
-                    </a:p>
-                  </a:txBody>
-                  <a:tcPr/>
-                </a:tc>
-                <a:tc>
-                  <a:txBody>
-                    <a:bodyPr/>
-                    <a:lstStyle/>
-                    <a:p>
-                      <a:r>
                         <a:rPr lang="en-US" sz="1500" dirty="0"/>
-                        <a:t>-278.496899764</a:t>
-                      </a:r>
-                    </a:p>
-                  </a:txBody>
-                  <a:tcPr/>
-                </a:tc>
-                <a:tc>
-                  <a:txBody>
-                    <a:bodyPr/>
-                    <a:lstStyle/>
-                    <a:p>
-                      <a:r>
-                        <a:rPr lang="en-US" sz="1500" dirty="0"/>
-                        <a:t>-108.804915489</a:t>
+                        <a:t>Multiple Epochs</a:t>
+                      </a:r>
+                    </a:p>
+                  </a:txBody>
+                  <a:tcPr/>
+                </a:tc>
+                <a:tc>
+                  <a:txBody>
+                    <a:bodyPr/>
+                    <a:lstStyle/>
+                    <a:p>
+                      <a:r>
+                        <a:rPr lang="en-US" sz="1500" dirty="0">
+                          <a:solidFill>
+                            <a:schemeClr val="accent1"/>
+                          </a:solidFill>
+                        </a:rPr>
+                        <a:t>-181.902408471</a:t>
+                      </a:r>
+                    </a:p>
+                  </a:txBody>
+                  <a:tcPr/>
+                </a:tc>
+                <a:tc>
+                  <a:txBody>
+                    <a:bodyPr/>
+                    <a:lstStyle/>
+                    <a:p>
+                      <a:r>
+                        <a:rPr lang="en-US" sz="1500" dirty="0">
+                          <a:solidFill>
+                            <a:schemeClr val="accent6">
+                              <a:lumMod val="75000"/>
+                            </a:schemeClr>
+                          </a:solidFill>
+                        </a:rPr>
+                        <a:t>-97.7997475199</a:t>
                       </a:r>
                     </a:p>
                   </a:txBody>
@@ -5174,8 +5359,12 @@
                     <a:lstStyle/>
                     <a:p>
                       <a:r>
-                        <a:rPr lang="en-US" sz="1500" dirty="0"/>
-                        <a:t>-226.737990541</a:t>
+                        <a:rPr lang="en-US" sz="1500" dirty="0">
+                          <a:solidFill>
+                            <a:schemeClr val="accent1"/>
+                          </a:solidFill>
+                        </a:rPr>
+                        <a:t>-268.082419973</a:t>
                       </a:r>
                     </a:p>
                   </a:txBody>
@@ -5207,21 +5396,31 @@
                     <a:lstStyle/>
                     <a:p>
                       <a:r>
-                        <a:rPr lang="en-US" sz="1500" dirty="0"/>
-                        <a:t>-479.21577207</a:t>
-                      </a:r>
-                    </a:p>
-                  </a:txBody>
-                  <a:tcPr/>
-                </a:tc>
-                <a:tc>
-                  <a:txBody>
-                    <a:bodyPr/>
-                    <a:lstStyle/>
-                    <a:p>
-                      <a:r>
-                        <a:rPr lang="en-US" sz="1500" dirty="0"/>
-                        <a:t>-154.628390672</a:t>
+                        <a:rPr lang="en-US" sz="1500" dirty="0">
+                          <a:solidFill>
+                            <a:schemeClr val="accent1"/>
+                          </a:solidFill>
+                        </a:rPr>
+                        <a:t>-224.025922804</a:t>
+                      </a:r>
+                    </a:p>
+                  </a:txBody>
+                  <a:tcPr/>
+                </a:tc>
+                <a:tc>
+                  <a:txBody>
+                    <a:bodyPr/>
+                    <a:lstStyle/>
+                    <a:p>
+                      <a:r>
+                        <a:rPr lang="en-US" sz="1500" dirty="0">
+                          <a:solidFill>
+                            <a:schemeClr val="accent6">
+                              <a:lumMod val="75000"/>
+                            </a:schemeClr>
+                          </a:solidFill>
+                        </a:rPr>
+                        <a:t>-98.8749495265</a:t>
                       </a:r>
                     </a:p>
                   </a:txBody>
@@ -5259,8 +5458,12 @@
                     <a:lstStyle/>
                     <a:p>
                       <a:r>
-                        <a:rPr lang="en-US" sz="1500" dirty="0"/>
-                        <a:t>-226.737989406</a:t>
+                        <a:rPr lang="en-US" sz="1500" dirty="0">
+                          <a:solidFill>
+                            <a:schemeClr val="accent1"/>
+                          </a:solidFill>
+                        </a:rPr>
+                        <a:t>-701.532028657</a:t>
                       </a:r>
                     </a:p>
                   </a:txBody>
@@ -5311,6 +5514,1942 @@
           <p:cNvPr id="2" name="Title 1">
             <a:extLst>
               <a:ext uri="{FF2B5EF4-FFF2-40B4-BE49-F238E27FC236}">
+                <a16:creationId xmlns:a16="http://schemas.microsoft.com/office/drawing/2014/main" id="{790D2107-1CCB-4A4B-A0A1-34E2D1D137C9}"/>
+              </a:ext>
+            </a:extLst>
+          </p:cNvPr>
+          <p:cNvSpPr>
+            <a:spLocks noGrp="1"/>
+          </p:cNvSpPr>
+          <p:nvPr>
+            <p:ph type="title"/>
+          </p:nvPr>
+        </p:nvSpPr>
+        <p:spPr/>
+        <p:txBody>
+          <a:bodyPr/>
+          <a:lstStyle/>
+          <a:p>
+            <a:r>
+              <a:rPr lang="en-US">
+                <a:latin typeface="Yu Gothic" panose="020B0400000000000000" pitchFamily="34" charset="-128"/>
+                <a:ea typeface="Yu Gothic" panose="020B0400000000000000" pitchFamily="34" charset="-128"/>
+              </a:rPr>
+              <a:t>Log Likelihood Results</a:t>
+            </a:r>
+          </a:p>
+        </p:txBody>
+      </p:sp>
+      <p:graphicFrame>
+        <p:nvGraphicFramePr>
+          <p:cNvPr id="4" name="Table 4">
+            <a:extLst>
+              <a:ext uri="{FF2B5EF4-FFF2-40B4-BE49-F238E27FC236}">
+                <a16:creationId xmlns:a16="http://schemas.microsoft.com/office/drawing/2014/main" id="{9E9C2D6D-C88A-4673-80AA-945CF4B768D4}"/>
+              </a:ext>
+            </a:extLst>
+          </p:cNvPr>
+          <p:cNvGraphicFramePr>
+            <a:graphicFrameLocks noGrp="1"/>
+          </p:cNvGraphicFramePr>
+          <p:nvPr>
+            <p:extLst>
+              <p:ext uri="{D42A27DB-BD31-4B8C-83A1-F6EECF244321}">
+                <p14:modId xmlns:p14="http://schemas.microsoft.com/office/powerpoint/2010/main" val="4160687187"/>
+              </p:ext>
+            </p:extLst>
+          </p:nvPr>
+        </p:nvGraphicFramePr>
+        <p:xfrm>
+          <a:off x="397041" y="1945639"/>
+          <a:ext cx="11562348" cy="1428348"/>
+        </p:xfrm>
+        <a:graphic>
+          <a:graphicData uri="http://schemas.openxmlformats.org/drawingml/2006/table">
+            <a:tbl>
+              <a:tblPr firstRow="1" bandRow="1">
+                <a:tableStyleId>{073A0DAA-6AF3-43AB-8588-CEC1D06C72B9}</a:tableStyleId>
+              </a:tblPr>
+              <a:tblGrid>
+                <a:gridCol w="1927058">
+                  <a:extLst>
+                    <a:ext uri="{9D8B030D-6E8A-4147-A177-3AD203B41FA5}">
+                      <a16:colId xmlns:a16="http://schemas.microsoft.com/office/drawing/2014/main" val="424002301"/>
+                    </a:ext>
+                  </a:extLst>
+                </a:gridCol>
+                <a:gridCol w="1927058">
+                  <a:extLst>
+                    <a:ext uri="{9D8B030D-6E8A-4147-A177-3AD203B41FA5}">
+                      <a16:colId xmlns:a16="http://schemas.microsoft.com/office/drawing/2014/main" val="14533387"/>
+                    </a:ext>
+                  </a:extLst>
+                </a:gridCol>
+                <a:gridCol w="1927058">
+                  <a:extLst>
+                    <a:ext uri="{9D8B030D-6E8A-4147-A177-3AD203B41FA5}">
+                      <a16:colId xmlns:a16="http://schemas.microsoft.com/office/drawing/2014/main" val="429341946"/>
+                    </a:ext>
+                  </a:extLst>
+                </a:gridCol>
+                <a:gridCol w="1927058">
+                  <a:extLst>
+                    <a:ext uri="{9D8B030D-6E8A-4147-A177-3AD203B41FA5}">
+                      <a16:colId xmlns:a16="http://schemas.microsoft.com/office/drawing/2014/main" val="190986599"/>
+                    </a:ext>
+                  </a:extLst>
+                </a:gridCol>
+                <a:gridCol w="1927058">
+                  <a:extLst>
+                    <a:ext uri="{9D8B030D-6E8A-4147-A177-3AD203B41FA5}">
+                      <a16:colId xmlns:a16="http://schemas.microsoft.com/office/drawing/2014/main" val="3291560764"/>
+                    </a:ext>
+                  </a:extLst>
+                </a:gridCol>
+                <a:gridCol w="1927058">
+                  <a:extLst>
+                    <a:ext uri="{9D8B030D-6E8A-4147-A177-3AD203B41FA5}">
+                      <a16:colId xmlns:a16="http://schemas.microsoft.com/office/drawing/2014/main" val="3562168247"/>
+                    </a:ext>
+                  </a:extLst>
+                </a:gridCol>
+              </a:tblGrid>
+              <a:tr h="476116">
+                <a:tc>
+                  <a:txBody>
+                    <a:bodyPr/>
+                    <a:lstStyle/>
+                    <a:p>
+                      <a:r>
+                        <a:rPr lang="en-US" sz="1400">
+                          <a:latin typeface="Yu Gothic" panose="020B0400000000000000" pitchFamily="34" charset="-128"/>
+                          <a:ea typeface="Yu Gothic" panose="020B0400000000000000" pitchFamily="34" charset="-128"/>
+                        </a:rPr>
+                        <a:t>Species</a:t>
+                      </a:r>
+                    </a:p>
+                  </a:txBody>
+                  <a:tcPr/>
+                </a:tc>
+                <a:tc>
+                  <a:txBody>
+                    <a:bodyPr/>
+                    <a:lstStyle/>
+                    <a:p>
+                      <a:pPr marL="0" indent="0">
+                        <a:buNone/>
+                      </a:pPr>
+                      <a:r>
+                        <a:rPr lang="en-US" sz="1400" dirty="0">
+                          <a:latin typeface="Yu Gothic" panose="020B0400000000000000" pitchFamily="34" charset="-128"/>
+                          <a:ea typeface="Yu Gothic" panose="020B0400000000000000" pitchFamily="34" charset="-128"/>
+                        </a:rPr>
+                        <a:t>B. </a:t>
+                      </a:r>
+                      <a:r>
+                        <a:rPr lang="en-US" sz="1400" dirty="0" err="1">
+                          <a:latin typeface="Yu Gothic" panose="020B0400000000000000" pitchFamily="34" charset="-128"/>
+                          <a:ea typeface="Yu Gothic" panose="020B0400000000000000" pitchFamily="34" charset="-128"/>
+                        </a:rPr>
+                        <a:t>massiliensis</a:t>
+                      </a:r>
+                      <a:endParaRPr lang="en-US" sz="1400" dirty="0">
+                        <a:latin typeface="Yu Gothic" panose="020B0400000000000000" pitchFamily="34" charset="-128"/>
+                        <a:ea typeface="Yu Gothic" panose="020B0400000000000000" pitchFamily="34" charset="-128"/>
+                      </a:endParaRPr>
+                    </a:p>
+                  </a:txBody>
+                  <a:tcPr/>
+                </a:tc>
+                <a:tc>
+                  <a:txBody>
+                    <a:bodyPr/>
+                    <a:lstStyle/>
+                    <a:p>
+                      <a:pPr marL="0" indent="0">
+                        <a:buNone/>
+                      </a:pPr>
+                      <a:r>
+                        <a:rPr lang="en-US" sz="1400" dirty="0">
+                          <a:latin typeface="Yu Gothic" panose="020B0400000000000000" pitchFamily="34" charset="-128"/>
+                          <a:ea typeface="Yu Gothic" panose="020B0400000000000000" pitchFamily="34" charset="-128"/>
+                        </a:rPr>
+                        <a:t>B. </a:t>
+                      </a:r>
+                      <a:r>
+                        <a:rPr lang="en-US" sz="1400" dirty="0" err="1">
+                          <a:latin typeface="Yu Gothic" panose="020B0400000000000000" pitchFamily="34" charset="-128"/>
+                          <a:ea typeface="Yu Gothic" panose="020B0400000000000000" pitchFamily="34" charset="-128"/>
+                        </a:rPr>
+                        <a:t>ovatus</a:t>
+                      </a:r>
+                      <a:endParaRPr lang="en-US" sz="1400" dirty="0">
+                        <a:latin typeface="Yu Gothic" panose="020B0400000000000000" pitchFamily="34" charset="-128"/>
+                        <a:ea typeface="Yu Gothic" panose="020B0400000000000000" pitchFamily="34" charset="-128"/>
+                      </a:endParaRPr>
+                    </a:p>
+                  </a:txBody>
+                  <a:tcPr/>
+                </a:tc>
+                <a:tc>
+                  <a:txBody>
+                    <a:bodyPr/>
+                    <a:lstStyle/>
+                    <a:p>
+                      <a:pPr marL="0" marR="0" lvl="0" indent="0" algn="l" defTabSz="914400" rtl="0" eaLnBrk="1" fontAlgn="auto" latinLnBrk="0" hangingPunct="1">
+                        <a:lnSpc>
+                          <a:spcPct val="100000"/>
+                        </a:lnSpc>
+                        <a:spcBef>
+                          <a:spcPts val="0"/>
+                        </a:spcBef>
+                        <a:spcAft>
+                          <a:spcPts val="0"/>
+                        </a:spcAft>
+                        <a:buClrTx/>
+                        <a:buSzTx/>
+                        <a:buFontTx/>
+                        <a:buNone/>
+                        <a:tabLst/>
+                        <a:defRPr/>
+                      </a:pPr>
+                      <a:r>
+                        <a:rPr lang="en-US" sz="1400" dirty="0">
+                          <a:latin typeface="Yu Gothic" panose="020B0400000000000000" pitchFamily="34" charset="-128"/>
+                          <a:ea typeface="Yu Gothic" panose="020B0400000000000000" pitchFamily="34" charset="-128"/>
+                        </a:rPr>
+                        <a:t>B. </a:t>
+                      </a:r>
+                      <a:r>
+                        <a:rPr lang="en-US" sz="1400" dirty="0" err="1">
+                          <a:latin typeface="Yu Gothic" panose="020B0400000000000000" pitchFamily="34" charset="-128"/>
+                          <a:ea typeface="Yu Gothic" panose="020B0400000000000000" pitchFamily="34" charset="-128"/>
+                        </a:rPr>
+                        <a:t>stercoris</a:t>
+                      </a:r>
+                      <a:endParaRPr lang="en-US" sz="1400" dirty="0">
+                        <a:latin typeface="Yu Gothic" panose="020B0400000000000000" pitchFamily="34" charset="-128"/>
+                        <a:ea typeface="Yu Gothic" panose="020B0400000000000000" pitchFamily="34" charset="-128"/>
+                      </a:endParaRPr>
+                    </a:p>
+                  </a:txBody>
+                  <a:tcPr/>
+                </a:tc>
+                <a:tc>
+                  <a:txBody>
+                    <a:bodyPr/>
+                    <a:lstStyle/>
+                    <a:p>
+                      <a:pPr marL="0" marR="0" lvl="0" indent="0" algn="l" defTabSz="914400" rtl="0" eaLnBrk="1" fontAlgn="auto" latinLnBrk="0" hangingPunct="1">
+                        <a:lnSpc>
+                          <a:spcPct val="100000"/>
+                        </a:lnSpc>
+                        <a:spcBef>
+                          <a:spcPts val="0"/>
+                        </a:spcBef>
+                        <a:spcAft>
+                          <a:spcPts val="0"/>
+                        </a:spcAft>
+                        <a:buClrTx/>
+                        <a:buSzTx/>
+                        <a:buFontTx/>
+                        <a:buNone/>
+                        <a:tabLst/>
+                        <a:defRPr/>
+                      </a:pPr>
+                      <a:r>
+                        <a:rPr lang="en-US" sz="1400" dirty="0">
+                          <a:solidFill>
+                            <a:schemeClr val="accent1"/>
+                          </a:solidFill>
+                          <a:latin typeface="Yu Gothic" panose="020B0400000000000000" pitchFamily="34" charset="-128"/>
+                          <a:ea typeface="Yu Gothic" panose="020B0400000000000000" pitchFamily="34" charset="-128"/>
+                        </a:rPr>
+                        <a:t>B. </a:t>
+                      </a:r>
+                      <a:r>
+                        <a:rPr lang="en-US" sz="1400" dirty="0" err="1">
+                          <a:solidFill>
+                            <a:schemeClr val="accent1"/>
+                          </a:solidFill>
+                          <a:latin typeface="Yu Gothic" panose="020B0400000000000000" pitchFamily="34" charset="-128"/>
+                          <a:ea typeface="Yu Gothic" panose="020B0400000000000000" pitchFamily="34" charset="-128"/>
+                        </a:rPr>
+                        <a:t>thetaiotamicron</a:t>
+                      </a:r>
+                      <a:endParaRPr lang="en-US" sz="1400" dirty="0">
+                        <a:solidFill>
+                          <a:schemeClr val="accent1"/>
+                        </a:solidFill>
+                        <a:latin typeface="Yu Gothic" panose="020B0400000000000000" pitchFamily="34" charset="-128"/>
+                        <a:ea typeface="Yu Gothic" panose="020B0400000000000000" pitchFamily="34" charset="-128"/>
+                      </a:endParaRPr>
+                    </a:p>
+                  </a:txBody>
+                  <a:tcPr/>
+                </a:tc>
+                <a:tc>
+                  <a:txBody>
+                    <a:bodyPr/>
+                    <a:lstStyle/>
+                    <a:p>
+                      <a:pPr marL="0" indent="0">
+                        <a:buNone/>
+                      </a:pPr>
+                      <a:r>
+                        <a:rPr lang="en-US" sz="1400" dirty="0">
+                          <a:solidFill>
+                            <a:schemeClr val="bg1"/>
+                          </a:solidFill>
+                          <a:latin typeface="Yu Gothic" panose="020B0400000000000000" pitchFamily="34" charset="-128"/>
+                          <a:ea typeface="Yu Gothic" panose="020B0400000000000000" pitchFamily="34" charset="-128"/>
+                        </a:rPr>
+                        <a:t>B. </a:t>
+                      </a:r>
+                      <a:r>
+                        <a:rPr lang="en-US" sz="1400" dirty="0" err="1">
+                          <a:solidFill>
+                            <a:schemeClr val="bg1"/>
+                          </a:solidFill>
+                          <a:latin typeface="Yu Gothic" panose="020B0400000000000000" pitchFamily="34" charset="-128"/>
+                          <a:ea typeface="Yu Gothic" panose="020B0400000000000000" pitchFamily="34" charset="-128"/>
+                        </a:rPr>
+                        <a:t>uniformis</a:t>
+                      </a:r>
+                      <a:endParaRPr lang="en-US" sz="1400" dirty="0">
+                        <a:solidFill>
+                          <a:schemeClr val="bg1"/>
+                        </a:solidFill>
+                        <a:latin typeface="Yu Gothic" panose="020B0400000000000000" pitchFamily="34" charset="-128"/>
+                        <a:ea typeface="Yu Gothic" panose="020B0400000000000000" pitchFamily="34" charset="-128"/>
+                      </a:endParaRPr>
+                    </a:p>
+                  </a:txBody>
+                  <a:tcPr/>
+                </a:tc>
+                <a:extLst>
+                  <a:ext uri="{0D108BD9-81ED-4DB2-BD59-A6C34878D82A}">
+                    <a16:rowId xmlns:a16="http://schemas.microsoft.com/office/drawing/2014/main" val="3127817436"/>
+                  </a:ext>
+                </a:extLst>
+              </a:tr>
+              <a:tr h="476116">
+                <a:tc>
+                  <a:txBody>
+                    <a:bodyPr/>
+                    <a:lstStyle/>
+                    <a:p>
+                      <a:r>
+                        <a:rPr lang="en-US" sz="1400" dirty="0">
+                          <a:latin typeface="Yu Gothic" panose="020B0400000000000000" pitchFamily="34" charset="-128"/>
+                          <a:ea typeface="Yu Gothic" panose="020B0400000000000000" pitchFamily="34" charset="-128"/>
+                        </a:rPr>
+                        <a:t>Multiple Epochs</a:t>
+                      </a:r>
+                    </a:p>
+                  </a:txBody>
+                  <a:tcPr/>
+                </a:tc>
+                <a:tc>
+                  <a:txBody>
+                    <a:bodyPr/>
+                    <a:lstStyle/>
+                    <a:p>
+                      <a:r>
+                        <a:rPr lang="en-US" sz="1400" dirty="0">
+                          <a:latin typeface="Yu Gothic" panose="020B0400000000000000" pitchFamily="34" charset="-128"/>
+                          <a:ea typeface="Yu Gothic" panose="020B0400000000000000" pitchFamily="34" charset="-128"/>
+                        </a:rPr>
+                        <a:t>-20.3617434171</a:t>
+                      </a:r>
+                    </a:p>
+                  </a:txBody>
+                  <a:tcPr/>
+                </a:tc>
+                <a:tc>
+                  <a:txBody>
+                    <a:bodyPr/>
+                    <a:lstStyle/>
+                    <a:p>
+                      <a:r>
+                        <a:rPr lang="en-US" sz="1400" dirty="0">
+                          <a:solidFill>
+                            <a:schemeClr val="tx1"/>
+                          </a:solidFill>
+                          <a:latin typeface="Yu Gothic" panose="020B0400000000000000" pitchFamily="34" charset="-128"/>
+                          <a:ea typeface="Yu Gothic" panose="020B0400000000000000" pitchFamily="34" charset="-128"/>
+                        </a:rPr>
+                        <a:t>-181.635396867</a:t>
+                      </a:r>
+                    </a:p>
+                  </a:txBody>
+                  <a:tcPr/>
+                </a:tc>
+                <a:tc>
+                  <a:txBody>
+                    <a:bodyPr/>
+                    <a:lstStyle/>
+                    <a:p>
+                      <a:r>
+                        <a:rPr lang="en-US" sz="1400" dirty="0">
+                          <a:latin typeface="Yu Gothic" panose="020B0400000000000000" pitchFamily="34" charset="-128"/>
+                          <a:ea typeface="Yu Gothic" panose="020B0400000000000000" pitchFamily="34" charset="-128"/>
+                        </a:rPr>
+                        <a:t>-508.742298381</a:t>
+                      </a:r>
+                    </a:p>
+                  </a:txBody>
+                  <a:tcPr/>
+                </a:tc>
+                <a:tc>
+                  <a:txBody>
+                    <a:bodyPr/>
+                    <a:lstStyle/>
+                    <a:p>
+                      <a:r>
+                        <a:rPr lang="en-US" sz="1400" dirty="0">
+                          <a:solidFill>
+                            <a:schemeClr val="accent1"/>
+                          </a:solidFill>
+                          <a:latin typeface="Yu Gothic" panose="020B0400000000000000" pitchFamily="34" charset="-128"/>
+                          <a:ea typeface="Yu Gothic" panose="020B0400000000000000" pitchFamily="34" charset="-128"/>
+                        </a:rPr>
+                        <a:t>-292.268240631</a:t>
+                      </a:r>
+                    </a:p>
+                  </a:txBody>
+                  <a:tcPr/>
+                </a:tc>
+                <a:tc>
+                  <a:txBody>
+                    <a:bodyPr/>
+                    <a:lstStyle/>
+                    <a:p>
+                      <a:r>
+                        <a:rPr lang="en-US" sz="1400" dirty="0">
+                          <a:solidFill>
+                            <a:schemeClr val="tx1"/>
+                          </a:solidFill>
+                          <a:latin typeface="Yu Gothic" panose="020B0400000000000000" pitchFamily="34" charset="-128"/>
+                          <a:ea typeface="Yu Gothic" panose="020B0400000000000000" pitchFamily="34" charset="-128"/>
+                        </a:rPr>
+                        <a:t>-253.217173904</a:t>
+                      </a:r>
+                    </a:p>
+                  </a:txBody>
+                  <a:tcPr/>
+                </a:tc>
+                <a:extLst>
+                  <a:ext uri="{0D108BD9-81ED-4DB2-BD59-A6C34878D82A}">
+                    <a16:rowId xmlns:a16="http://schemas.microsoft.com/office/drawing/2014/main" val="403070783"/>
+                  </a:ext>
+                </a:extLst>
+              </a:tr>
+              <a:tr h="476116">
+                <a:tc>
+                  <a:txBody>
+                    <a:bodyPr/>
+                    <a:lstStyle/>
+                    <a:p>
+                      <a:r>
+                        <a:rPr lang="en-US" sz="1400">
+                          <a:latin typeface="Yu Gothic" panose="020B0400000000000000" pitchFamily="34" charset="-128"/>
+                          <a:ea typeface="Yu Gothic" panose="020B0400000000000000" pitchFamily="34" charset="-128"/>
+                        </a:rPr>
+                        <a:t>One Epoch (SNM)</a:t>
+                      </a:r>
+                    </a:p>
+                  </a:txBody>
+                  <a:tcPr/>
+                </a:tc>
+                <a:tc>
+                  <a:txBody>
+                    <a:bodyPr/>
+                    <a:lstStyle/>
+                    <a:p>
+                      <a:r>
+                        <a:rPr lang="en-US" sz="1400" dirty="0">
+                          <a:latin typeface="Yu Gothic" panose="020B0400000000000000" pitchFamily="34" charset="-128"/>
+                          <a:ea typeface="Yu Gothic" panose="020B0400000000000000" pitchFamily="34" charset="-128"/>
+                        </a:rPr>
+                        <a:t>-20.3617427569</a:t>
+                      </a:r>
+                    </a:p>
+                  </a:txBody>
+                  <a:tcPr/>
+                </a:tc>
+                <a:tc>
+                  <a:txBody>
+                    <a:bodyPr/>
+                    <a:lstStyle/>
+                    <a:p>
+                      <a:r>
+                        <a:rPr lang="en-US" sz="1400" dirty="0">
+                          <a:solidFill>
+                            <a:schemeClr val="tx1"/>
+                          </a:solidFill>
+                          <a:latin typeface="Yu Gothic" panose="020B0400000000000000" pitchFamily="34" charset="-128"/>
+                          <a:ea typeface="Yu Gothic" panose="020B0400000000000000" pitchFamily="34" charset="-128"/>
+                        </a:rPr>
+                        <a:t>-181.635395821</a:t>
+                      </a:r>
+                    </a:p>
+                  </a:txBody>
+                  <a:tcPr/>
+                </a:tc>
+                <a:tc>
+                  <a:txBody>
+                    <a:bodyPr/>
+                    <a:lstStyle/>
+                    <a:p>
+                      <a:r>
+                        <a:rPr lang="en-US" sz="1400" dirty="0">
+                          <a:latin typeface="Yu Gothic" panose="020B0400000000000000" pitchFamily="34" charset="-128"/>
+                          <a:ea typeface="Yu Gothic" panose="020B0400000000000000" pitchFamily="34" charset="-128"/>
+                        </a:rPr>
+                        <a:t>-508.742293081</a:t>
+                      </a:r>
+                    </a:p>
+                  </a:txBody>
+                  <a:tcPr/>
+                </a:tc>
+                <a:tc>
+                  <a:txBody>
+                    <a:bodyPr/>
+                    <a:lstStyle/>
+                    <a:p>
+                      <a:r>
+                        <a:rPr lang="en-US" sz="1400" dirty="0">
+                          <a:solidFill>
+                            <a:schemeClr val="accent1"/>
+                          </a:solidFill>
+                          <a:latin typeface="Yu Gothic" panose="020B0400000000000000" pitchFamily="34" charset="-128"/>
+                          <a:ea typeface="Yu Gothic" panose="020B0400000000000000" pitchFamily="34" charset="-128"/>
+                        </a:rPr>
+                        <a:t>-360.547850479</a:t>
+                      </a:r>
+                    </a:p>
+                  </a:txBody>
+                  <a:tcPr/>
+                </a:tc>
+                <a:tc>
+                  <a:txBody>
+                    <a:bodyPr/>
+                    <a:lstStyle/>
+                    <a:p>
+                      <a:r>
+                        <a:rPr lang="en-US" sz="1400" dirty="0">
+                          <a:solidFill>
+                            <a:schemeClr val="tx1"/>
+                          </a:solidFill>
+                          <a:latin typeface="Yu Gothic" panose="020B0400000000000000" pitchFamily="34" charset="-128"/>
+                          <a:ea typeface="Yu Gothic" panose="020B0400000000000000" pitchFamily="34" charset="-128"/>
+                        </a:rPr>
+                        <a:t>-253.217142467</a:t>
+                      </a:r>
+                    </a:p>
+                  </a:txBody>
+                  <a:tcPr/>
+                </a:tc>
+                <a:extLst>
+                  <a:ext uri="{0D108BD9-81ED-4DB2-BD59-A6C34878D82A}">
+                    <a16:rowId xmlns:a16="http://schemas.microsoft.com/office/drawing/2014/main" val="363249991"/>
+                  </a:ext>
+                </a:extLst>
+              </a:tr>
+            </a:tbl>
+          </a:graphicData>
+        </a:graphic>
+      </p:graphicFrame>
+      <p:graphicFrame>
+        <p:nvGraphicFramePr>
+          <p:cNvPr id="5" name="Table 4">
+            <a:extLst>
+              <a:ext uri="{FF2B5EF4-FFF2-40B4-BE49-F238E27FC236}">
+                <a16:creationId xmlns:a16="http://schemas.microsoft.com/office/drawing/2014/main" id="{33C1E931-5DCE-44D1-8B5E-03DF8DCA05A8}"/>
+              </a:ext>
+            </a:extLst>
+          </p:cNvPr>
+          <p:cNvGraphicFramePr>
+            <a:graphicFrameLocks noGrp="1"/>
+          </p:cNvGraphicFramePr>
+          <p:nvPr>
+            <p:extLst>
+              <p:ext uri="{D42A27DB-BD31-4B8C-83A1-F6EECF244321}">
+                <p14:modId xmlns:p14="http://schemas.microsoft.com/office/powerpoint/2010/main" val="3021808606"/>
+              </p:ext>
+            </p:extLst>
+          </p:nvPr>
+        </p:nvGraphicFramePr>
+        <p:xfrm>
+          <a:off x="397040" y="4311850"/>
+          <a:ext cx="11562348" cy="1428348"/>
+        </p:xfrm>
+        <a:graphic>
+          <a:graphicData uri="http://schemas.openxmlformats.org/drawingml/2006/table">
+            <a:tbl>
+              <a:tblPr firstRow="1" bandRow="1">
+                <a:tableStyleId>{073A0DAA-6AF3-43AB-8588-CEC1D06C72B9}</a:tableStyleId>
+              </a:tblPr>
+              <a:tblGrid>
+                <a:gridCol w="1927058">
+                  <a:extLst>
+                    <a:ext uri="{9D8B030D-6E8A-4147-A177-3AD203B41FA5}">
+                      <a16:colId xmlns:a16="http://schemas.microsoft.com/office/drawing/2014/main" val="424002301"/>
+                    </a:ext>
+                  </a:extLst>
+                </a:gridCol>
+                <a:gridCol w="1927058">
+                  <a:extLst>
+                    <a:ext uri="{9D8B030D-6E8A-4147-A177-3AD203B41FA5}">
+                      <a16:colId xmlns:a16="http://schemas.microsoft.com/office/drawing/2014/main" val="14533387"/>
+                    </a:ext>
+                  </a:extLst>
+                </a:gridCol>
+                <a:gridCol w="1927058">
+                  <a:extLst>
+                    <a:ext uri="{9D8B030D-6E8A-4147-A177-3AD203B41FA5}">
+                      <a16:colId xmlns:a16="http://schemas.microsoft.com/office/drawing/2014/main" val="429341946"/>
+                    </a:ext>
+                  </a:extLst>
+                </a:gridCol>
+                <a:gridCol w="1927058">
+                  <a:extLst>
+                    <a:ext uri="{9D8B030D-6E8A-4147-A177-3AD203B41FA5}">
+                      <a16:colId xmlns:a16="http://schemas.microsoft.com/office/drawing/2014/main" val="190986599"/>
+                    </a:ext>
+                  </a:extLst>
+                </a:gridCol>
+                <a:gridCol w="1927058">
+                  <a:extLst>
+                    <a:ext uri="{9D8B030D-6E8A-4147-A177-3AD203B41FA5}">
+                      <a16:colId xmlns:a16="http://schemas.microsoft.com/office/drawing/2014/main" val="3291560764"/>
+                    </a:ext>
+                  </a:extLst>
+                </a:gridCol>
+                <a:gridCol w="1927058">
+                  <a:extLst>
+                    <a:ext uri="{9D8B030D-6E8A-4147-A177-3AD203B41FA5}">
+                      <a16:colId xmlns:a16="http://schemas.microsoft.com/office/drawing/2014/main" val="3562168247"/>
+                    </a:ext>
+                  </a:extLst>
+                </a:gridCol>
+              </a:tblGrid>
+              <a:tr h="476116">
+                <a:tc>
+                  <a:txBody>
+                    <a:bodyPr/>
+                    <a:lstStyle/>
+                    <a:p>
+                      <a:r>
+                        <a:rPr lang="en-US" sz="1500"/>
+                        <a:t>Species</a:t>
+                      </a:r>
+                    </a:p>
+                  </a:txBody>
+                  <a:tcPr/>
+                </a:tc>
+                <a:tc>
+                  <a:txBody>
+                    <a:bodyPr/>
+                    <a:lstStyle/>
+                    <a:p>
+                      <a:pPr marL="0" indent="0">
+                        <a:buNone/>
+                      </a:pPr>
+                      <a:r>
+                        <a:rPr lang="en-US" sz="1400" dirty="0">
+                          <a:latin typeface="Yu Gothic" panose="020B0400000000000000" pitchFamily="34" charset="-128"/>
+                          <a:ea typeface="Yu Gothic" panose="020B0400000000000000" pitchFamily="34" charset="-128"/>
+                        </a:rPr>
+                        <a:t>B. </a:t>
+                      </a:r>
+                      <a:r>
+                        <a:rPr lang="en-US" sz="1400" dirty="0" err="1">
+                          <a:latin typeface="Yu Gothic" panose="020B0400000000000000" pitchFamily="34" charset="-128"/>
+                          <a:ea typeface="Yu Gothic" panose="020B0400000000000000" pitchFamily="34" charset="-128"/>
+                        </a:rPr>
+                        <a:t>vulgatus</a:t>
+                      </a:r>
+                      <a:endParaRPr lang="en-US" sz="1400" dirty="0">
+                        <a:latin typeface="Yu Gothic" panose="020B0400000000000000" pitchFamily="34" charset="-128"/>
+                        <a:ea typeface="Yu Gothic" panose="020B0400000000000000" pitchFamily="34" charset="-128"/>
+                      </a:endParaRPr>
+                    </a:p>
+                  </a:txBody>
+                  <a:tcPr/>
+                </a:tc>
+                <a:tc>
+                  <a:txBody>
+                    <a:bodyPr/>
+                    <a:lstStyle/>
+                    <a:p>
+                      <a:pPr marL="0" indent="0">
+                        <a:buNone/>
+                      </a:pPr>
+                      <a:r>
+                        <a:rPr lang="en-US" sz="1500" dirty="0"/>
+                        <a:t>B. </a:t>
+                      </a:r>
+                      <a:r>
+                        <a:rPr lang="en-US" sz="1500" dirty="0" err="1"/>
+                        <a:t>xylanisolvens</a:t>
+                      </a:r>
+                      <a:endParaRPr lang="en-US" sz="1500" dirty="0"/>
+                    </a:p>
+                  </a:txBody>
+                  <a:tcPr/>
+                </a:tc>
+                <a:tc>
+                  <a:txBody>
+                    <a:bodyPr/>
+                    <a:lstStyle/>
+                    <a:p>
+                      <a:pPr marL="0" indent="0">
+                        <a:buNone/>
+                      </a:pPr>
+                      <a:r>
+                        <a:rPr lang="en-US" sz="1500" dirty="0"/>
+                        <a:t>D. </a:t>
+                      </a:r>
+                      <a:r>
+                        <a:rPr lang="en-US" sz="1500" dirty="0" err="1"/>
+                        <a:t>invisus</a:t>
+                      </a:r>
+                      <a:endParaRPr lang="en-US" sz="1500" dirty="0"/>
+                    </a:p>
+                  </a:txBody>
+                  <a:tcPr/>
+                </a:tc>
+                <a:tc>
+                  <a:txBody>
+                    <a:bodyPr/>
+                    <a:lstStyle/>
+                    <a:p>
+                      <a:r>
+                        <a:rPr lang="en-US" sz="1500" dirty="0"/>
+                        <a:t>E. </a:t>
+                      </a:r>
+                      <a:r>
+                        <a:rPr lang="en-US" sz="1500" dirty="0" err="1"/>
+                        <a:t>eligens</a:t>
+                      </a:r>
+                      <a:endParaRPr lang="en-US" sz="1500" dirty="0"/>
+                    </a:p>
+                  </a:txBody>
+                  <a:tcPr/>
+                </a:tc>
+                <a:tc>
+                  <a:txBody>
+                    <a:bodyPr/>
+                    <a:lstStyle/>
+                    <a:p>
+                      <a:pPr marL="0" indent="0">
+                        <a:buNone/>
+                      </a:pPr>
+                      <a:r>
+                        <a:rPr lang="en-US" sz="1400" dirty="0">
+                          <a:latin typeface="Yu Gothic" panose="020B0400000000000000" pitchFamily="34" charset="-128"/>
+                          <a:ea typeface="Yu Gothic" panose="020B0400000000000000" pitchFamily="34" charset="-128"/>
+                        </a:rPr>
+                        <a:t>E. </a:t>
+                      </a:r>
+                      <a:r>
+                        <a:rPr lang="en-US" sz="1400" dirty="0" err="1">
+                          <a:latin typeface="Yu Gothic" panose="020B0400000000000000" pitchFamily="34" charset="-128"/>
+                          <a:ea typeface="Yu Gothic" panose="020B0400000000000000" pitchFamily="34" charset="-128"/>
+                        </a:rPr>
+                        <a:t>rectale</a:t>
+                      </a:r>
+                      <a:endParaRPr lang="en-US" sz="1400" dirty="0">
+                        <a:latin typeface="Yu Gothic" panose="020B0400000000000000" pitchFamily="34" charset="-128"/>
+                        <a:ea typeface="Yu Gothic" panose="020B0400000000000000" pitchFamily="34" charset="-128"/>
+                      </a:endParaRPr>
+                    </a:p>
+                  </a:txBody>
+                  <a:tcPr/>
+                </a:tc>
+                <a:extLst>
+                  <a:ext uri="{0D108BD9-81ED-4DB2-BD59-A6C34878D82A}">
+                    <a16:rowId xmlns:a16="http://schemas.microsoft.com/office/drawing/2014/main" val="3127817436"/>
+                  </a:ext>
+                </a:extLst>
+              </a:tr>
+              <a:tr h="476116">
+                <a:tc>
+                  <a:txBody>
+                    <a:bodyPr/>
+                    <a:lstStyle/>
+                    <a:p>
+                      <a:r>
+                        <a:rPr lang="en-US" sz="1500" dirty="0"/>
+                        <a:t>Multiple Epochs</a:t>
+                      </a:r>
+                    </a:p>
+                  </a:txBody>
+                  <a:tcPr/>
+                </a:tc>
+                <a:tc>
+                  <a:txBody>
+                    <a:bodyPr/>
+                    <a:lstStyle/>
+                    <a:p>
+                      <a:r>
+                        <a:rPr lang="en-US" sz="1400" dirty="0">
+                          <a:latin typeface="Yu Gothic" panose="020B0400000000000000" pitchFamily="34" charset="-128"/>
+                          <a:ea typeface="Yu Gothic" panose="020B0400000000000000" pitchFamily="34" charset="-128"/>
+                        </a:rPr>
+                        <a:t>-142.247487889</a:t>
+                      </a:r>
+                    </a:p>
+                  </a:txBody>
+                  <a:tcPr/>
+                </a:tc>
+                <a:tc>
+                  <a:txBody>
+                    <a:bodyPr/>
+                    <a:lstStyle/>
+                    <a:p>
+                      <a:r>
+                        <a:rPr lang="en-US" sz="1500" dirty="0"/>
+                        <a:t>-166.0628826</a:t>
+                      </a:r>
+                    </a:p>
+                  </a:txBody>
+                  <a:tcPr/>
+                </a:tc>
+                <a:tc>
+                  <a:txBody>
+                    <a:bodyPr/>
+                    <a:lstStyle/>
+                    <a:p>
+                      <a:r>
+                        <a:rPr lang="en-US" sz="1500" dirty="0"/>
+                        <a:t>-140.340722705</a:t>
+                      </a:r>
+                    </a:p>
+                  </a:txBody>
+                  <a:tcPr/>
+                </a:tc>
+                <a:tc>
+                  <a:txBody>
+                    <a:bodyPr/>
+                    <a:lstStyle/>
+                    <a:p>
+                      <a:r>
+                        <a:rPr lang="en-US" sz="1500" dirty="0"/>
+                        <a:t>-226.737990541</a:t>
+                      </a:r>
+                    </a:p>
+                  </a:txBody>
+                  <a:tcPr/>
+                </a:tc>
+                <a:tc>
+                  <a:txBody>
+                    <a:bodyPr/>
+                    <a:lstStyle/>
+                    <a:p>
+                      <a:r>
+                        <a:rPr lang="en-US" sz="1400" dirty="0">
+                          <a:latin typeface="Yu Gothic" panose="020B0400000000000000" pitchFamily="34" charset="-128"/>
+                          <a:ea typeface="Yu Gothic" panose="020B0400000000000000" pitchFamily="34" charset="-128"/>
+                        </a:rPr>
+                        <a:t>-621.965867927</a:t>
+                      </a:r>
+                    </a:p>
+                  </a:txBody>
+                  <a:tcPr/>
+                </a:tc>
+                <a:extLst>
+                  <a:ext uri="{0D108BD9-81ED-4DB2-BD59-A6C34878D82A}">
+                    <a16:rowId xmlns:a16="http://schemas.microsoft.com/office/drawing/2014/main" val="403070783"/>
+                  </a:ext>
+                </a:extLst>
+              </a:tr>
+              <a:tr h="476116">
+                <a:tc>
+                  <a:txBody>
+                    <a:bodyPr/>
+                    <a:lstStyle/>
+                    <a:p>
+                      <a:r>
+                        <a:rPr lang="en-US" sz="1500"/>
+                        <a:t>One Epoch (SNM)</a:t>
+                      </a:r>
+                    </a:p>
+                  </a:txBody>
+                  <a:tcPr/>
+                </a:tc>
+                <a:tc>
+                  <a:txBody>
+                    <a:bodyPr/>
+                    <a:lstStyle/>
+                    <a:p>
+                      <a:r>
+                        <a:rPr lang="en-US" sz="1400" dirty="0">
+                          <a:latin typeface="Yu Gothic" panose="020B0400000000000000" pitchFamily="34" charset="-128"/>
+                          <a:ea typeface="Yu Gothic" panose="020B0400000000000000" pitchFamily="34" charset="-128"/>
+                        </a:rPr>
+                        <a:t>-142.247482051</a:t>
+                      </a:r>
+                    </a:p>
+                  </a:txBody>
+                  <a:tcPr/>
+                </a:tc>
+                <a:tc>
+                  <a:txBody>
+                    <a:bodyPr/>
+                    <a:lstStyle/>
+                    <a:p>
+                      <a:r>
+                        <a:rPr lang="en-US" sz="1500" dirty="0"/>
+                        <a:t>-166.062883792</a:t>
+                      </a:r>
+                    </a:p>
+                  </a:txBody>
+                  <a:tcPr/>
+                </a:tc>
+                <a:tc>
+                  <a:txBody>
+                    <a:bodyPr/>
+                    <a:lstStyle/>
+                    <a:p>
+                      <a:r>
+                        <a:rPr lang="en-US" sz="1500" dirty="0"/>
+                        <a:t>-140.340721113</a:t>
+                      </a:r>
+                    </a:p>
+                  </a:txBody>
+                  <a:tcPr/>
+                </a:tc>
+                <a:tc>
+                  <a:txBody>
+                    <a:bodyPr/>
+                    <a:lstStyle/>
+                    <a:p>
+                      <a:r>
+                        <a:rPr lang="en-US" sz="1500" dirty="0"/>
+                        <a:t>-226.737989406</a:t>
+                      </a:r>
+                    </a:p>
+                  </a:txBody>
+                  <a:tcPr/>
+                </a:tc>
+                <a:tc>
+                  <a:txBody>
+                    <a:bodyPr/>
+                    <a:lstStyle/>
+                    <a:p>
+                      <a:r>
+                        <a:rPr lang="en-US" sz="1400" dirty="0">
+                          <a:latin typeface="Yu Gothic" panose="020B0400000000000000" pitchFamily="34" charset="-128"/>
+                          <a:ea typeface="Yu Gothic" panose="020B0400000000000000" pitchFamily="34" charset="-128"/>
+                        </a:rPr>
+                        <a:t>-621.965862866</a:t>
+                      </a:r>
+                    </a:p>
+                  </a:txBody>
+                  <a:tcPr/>
+                </a:tc>
+                <a:extLst>
+                  <a:ext uri="{0D108BD9-81ED-4DB2-BD59-A6C34878D82A}">
+                    <a16:rowId xmlns:a16="http://schemas.microsoft.com/office/drawing/2014/main" val="363249991"/>
+                  </a:ext>
+                </a:extLst>
+              </a:tr>
+            </a:tbl>
+          </a:graphicData>
+        </a:graphic>
+      </p:graphicFrame>
+    </p:spTree>
+    <p:extLst>
+      <p:ext uri="{BB962C8B-B14F-4D97-AF65-F5344CB8AC3E}">
+        <p14:creationId xmlns:p14="http://schemas.microsoft.com/office/powerpoint/2010/main" val="1192562467"/>
+      </p:ext>
+    </p:extLst>
+  </p:cSld>
+  <p:clrMapOvr>
+    <a:masterClrMapping/>
+  </p:clrMapOvr>
+</p:sld>
+</file>
+
+<file path=ppt/slides/slide6.xml><?xml version="1.0" encoding="utf-8"?>
+<p:sld xmlns:a="http://schemas.openxmlformats.org/drawingml/2006/main" xmlns:r="http://schemas.openxmlformats.org/officeDocument/2006/relationships" xmlns:p="http://schemas.openxmlformats.org/presentationml/2006/main">
+  <p:cSld>
+    <p:spTree>
+      <p:nvGrpSpPr>
+        <p:cNvPr id="1" name=""/>
+        <p:cNvGrpSpPr/>
+        <p:nvPr/>
+      </p:nvGrpSpPr>
+      <p:grpSpPr>
+        <a:xfrm>
+          <a:off x="0" y="0"/>
+          <a:ext cx="0" cy="0"/>
+          <a:chOff x="0" y="0"/>
+          <a:chExt cx="0" cy="0"/>
+        </a:xfrm>
+      </p:grpSpPr>
+      <p:sp>
+        <p:nvSpPr>
+          <p:cNvPr id="2" name="Title 1">
+            <a:extLst>
+              <a:ext uri="{FF2B5EF4-FFF2-40B4-BE49-F238E27FC236}">
+                <a16:creationId xmlns:a16="http://schemas.microsoft.com/office/drawing/2014/main" id="{790D2107-1CCB-4A4B-A0A1-34E2D1D137C9}"/>
+              </a:ext>
+            </a:extLst>
+          </p:cNvPr>
+          <p:cNvSpPr>
+            <a:spLocks noGrp="1"/>
+          </p:cNvSpPr>
+          <p:nvPr>
+            <p:ph type="title"/>
+          </p:nvPr>
+        </p:nvSpPr>
+        <p:spPr/>
+        <p:txBody>
+          <a:bodyPr/>
+          <a:lstStyle/>
+          <a:p>
+            <a:r>
+              <a:rPr lang="en-US">
+                <a:latin typeface="Yu Gothic" panose="020B0400000000000000" pitchFamily="34" charset="-128"/>
+                <a:ea typeface="Yu Gothic" panose="020B0400000000000000" pitchFamily="34" charset="-128"/>
+              </a:rPr>
+              <a:t>Log Likelihood Results</a:t>
+            </a:r>
+          </a:p>
+        </p:txBody>
+      </p:sp>
+      <p:graphicFrame>
+        <p:nvGraphicFramePr>
+          <p:cNvPr id="4" name="Table 4">
+            <a:extLst>
+              <a:ext uri="{FF2B5EF4-FFF2-40B4-BE49-F238E27FC236}">
+                <a16:creationId xmlns:a16="http://schemas.microsoft.com/office/drawing/2014/main" id="{9E9C2D6D-C88A-4673-80AA-945CF4B768D4}"/>
+              </a:ext>
+            </a:extLst>
+          </p:cNvPr>
+          <p:cNvGraphicFramePr>
+            <a:graphicFrameLocks noGrp="1"/>
+          </p:cNvGraphicFramePr>
+          <p:nvPr>
+            <p:extLst>
+              <p:ext uri="{D42A27DB-BD31-4B8C-83A1-F6EECF244321}">
+                <p14:modId xmlns:p14="http://schemas.microsoft.com/office/powerpoint/2010/main" val="718456070"/>
+              </p:ext>
+            </p:extLst>
+          </p:nvPr>
+        </p:nvGraphicFramePr>
+        <p:xfrm>
+          <a:off x="397041" y="1945639"/>
+          <a:ext cx="11562348" cy="1428348"/>
+        </p:xfrm>
+        <a:graphic>
+          <a:graphicData uri="http://schemas.openxmlformats.org/drawingml/2006/table">
+            <a:tbl>
+              <a:tblPr firstRow="1" bandRow="1">
+                <a:tableStyleId>{073A0DAA-6AF3-43AB-8588-CEC1D06C72B9}</a:tableStyleId>
+              </a:tblPr>
+              <a:tblGrid>
+                <a:gridCol w="1927058">
+                  <a:extLst>
+                    <a:ext uri="{9D8B030D-6E8A-4147-A177-3AD203B41FA5}">
+                      <a16:colId xmlns:a16="http://schemas.microsoft.com/office/drawing/2014/main" val="424002301"/>
+                    </a:ext>
+                  </a:extLst>
+                </a:gridCol>
+                <a:gridCol w="1927058">
+                  <a:extLst>
+                    <a:ext uri="{9D8B030D-6E8A-4147-A177-3AD203B41FA5}">
+                      <a16:colId xmlns:a16="http://schemas.microsoft.com/office/drawing/2014/main" val="14533387"/>
+                    </a:ext>
+                  </a:extLst>
+                </a:gridCol>
+                <a:gridCol w="1927058">
+                  <a:extLst>
+                    <a:ext uri="{9D8B030D-6E8A-4147-A177-3AD203B41FA5}">
+                      <a16:colId xmlns:a16="http://schemas.microsoft.com/office/drawing/2014/main" val="429341946"/>
+                    </a:ext>
+                  </a:extLst>
+                </a:gridCol>
+                <a:gridCol w="1927058">
+                  <a:extLst>
+                    <a:ext uri="{9D8B030D-6E8A-4147-A177-3AD203B41FA5}">
+                      <a16:colId xmlns:a16="http://schemas.microsoft.com/office/drawing/2014/main" val="190986599"/>
+                    </a:ext>
+                  </a:extLst>
+                </a:gridCol>
+                <a:gridCol w="1927058">
+                  <a:extLst>
+                    <a:ext uri="{9D8B030D-6E8A-4147-A177-3AD203B41FA5}">
+                      <a16:colId xmlns:a16="http://schemas.microsoft.com/office/drawing/2014/main" val="3291560764"/>
+                    </a:ext>
+                  </a:extLst>
+                </a:gridCol>
+                <a:gridCol w="1927058">
+                  <a:extLst>
+                    <a:ext uri="{9D8B030D-6E8A-4147-A177-3AD203B41FA5}">
+                      <a16:colId xmlns:a16="http://schemas.microsoft.com/office/drawing/2014/main" val="3562168247"/>
+                    </a:ext>
+                  </a:extLst>
+                </a:gridCol>
+              </a:tblGrid>
+              <a:tr h="476116">
+                <a:tc>
+                  <a:txBody>
+                    <a:bodyPr/>
+                    <a:lstStyle/>
+                    <a:p>
+                      <a:r>
+                        <a:rPr lang="en-US" sz="1400">
+                          <a:latin typeface="Yu Gothic" panose="020B0400000000000000" pitchFamily="34" charset="-128"/>
+                          <a:ea typeface="Yu Gothic" panose="020B0400000000000000" pitchFamily="34" charset="-128"/>
+                        </a:rPr>
+                        <a:t>Species</a:t>
+                      </a:r>
+                    </a:p>
+                  </a:txBody>
+                  <a:tcPr/>
+                </a:tc>
+                <a:tc>
+                  <a:txBody>
+                    <a:bodyPr/>
+                    <a:lstStyle/>
+                    <a:p>
+                      <a:pPr marL="0" indent="0">
+                        <a:buNone/>
+                      </a:pPr>
+                      <a:r>
+                        <a:rPr lang="en-US" sz="1400" dirty="0">
+                          <a:latin typeface="Yu Gothic" panose="020B0400000000000000" pitchFamily="34" charset="-128"/>
+                          <a:ea typeface="Yu Gothic" panose="020B0400000000000000" pitchFamily="34" charset="-128"/>
+                        </a:rPr>
+                        <a:t>F. </a:t>
+                      </a:r>
+                      <a:r>
+                        <a:rPr lang="en-US" sz="1400" dirty="0" err="1">
+                          <a:latin typeface="Yu Gothic" panose="020B0400000000000000" pitchFamily="34" charset="-128"/>
+                          <a:ea typeface="Yu Gothic" panose="020B0400000000000000" pitchFamily="34" charset="-128"/>
+                        </a:rPr>
+                        <a:t>prausnitzii</a:t>
+                      </a:r>
+                      <a:endParaRPr lang="en-US" sz="1400" dirty="0">
+                        <a:latin typeface="Yu Gothic" panose="020B0400000000000000" pitchFamily="34" charset="-128"/>
+                        <a:ea typeface="Yu Gothic" panose="020B0400000000000000" pitchFamily="34" charset="-128"/>
+                      </a:endParaRPr>
+                    </a:p>
+                  </a:txBody>
+                  <a:tcPr/>
+                </a:tc>
+                <a:tc>
+                  <a:txBody>
+                    <a:bodyPr/>
+                    <a:lstStyle/>
+                    <a:p>
+                      <a:pPr marL="0" indent="0">
+                        <a:buNone/>
+                      </a:pPr>
+                      <a:r>
+                        <a:rPr lang="en-US" sz="1400" dirty="0">
+                          <a:solidFill>
+                            <a:schemeClr val="bg1"/>
+                          </a:solidFill>
+                          <a:latin typeface="Yu Gothic" panose="020B0400000000000000" pitchFamily="34" charset="-128"/>
+                          <a:ea typeface="Yu Gothic" panose="020B0400000000000000" pitchFamily="34" charset="-128"/>
+                        </a:rPr>
+                        <a:t>O. </a:t>
+                      </a:r>
+                      <a:r>
+                        <a:rPr lang="en-US" sz="1400" dirty="0" err="1">
+                          <a:solidFill>
+                            <a:schemeClr val="bg1"/>
+                          </a:solidFill>
+                          <a:latin typeface="Yu Gothic" panose="020B0400000000000000" pitchFamily="34" charset="-128"/>
+                          <a:ea typeface="Yu Gothic" panose="020B0400000000000000" pitchFamily="34" charset="-128"/>
+                        </a:rPr>
+                        <a:t>sp</a:t>
+                      </a:r>
+                      <a:endParaRPr lang="en-US" sz="1400" dirty="0">
+                        <a:solidFill>
+                          <a:schemeClr val="bg1"/>
+                        </a:solidFill>
+                        <a:latin typeface="Yu Gothic" panose="020B0400000000000000" pitchFamily="34" charset="-128"/>
+                        <a:ea typeface="Yu Gothic" panose="020B0400000000000000" pitchFamily="34" charset="-128"/>
+                      </a:endParaRPr>
+                    </a:p>
+                  </a:txBody>
+                  <a:tcPr/>
+                </a:tc>
+                <a:tc>
+                  <a:txBody>
+                    <a:bodyPr/>
+                    <a:lstStyle/>
+                    <a:p>
+                      <a:pPr marL="0" marR="0" lvl="0" indent="0" algn="l" defTabSz="914400" rtl="0" eaLnBrk="1" fontAlgn="auto" latinLnBrk="0" hangingPunct="1">
+                        <a:lnSpc>
+                          <a:spcPct val="100000"/>
+                        </a:lnSpc>
+                        <a:spcBef>
+                          <a:spcPts val="0"/>
+                        </a:spcBef>
+                        <a:spcAft>
+                          <a:spcPts val="0"/>
+                        </a:spcAft>
+                        <a:buClrTx/>
+                        <a:buSzTx/>
+                        <a:buFontTx/>
+                        <a:buNone/>
+                        <a:tabLst/>
+                        <a:defRPr/>
+                      </a:pPr>
+                      <a:r>
+                        <a:rPr lang="en-US" sz="1400" dirty="0">
+                          <a:solidFill>
+                            <a:schemeClr val="bg1"/>
+                          </a:solidFill>
+                          <a:latin typeface="Yu Gothic" panose="020B0400000000000000" pitchFamily="34" charset="-128"/>
+                          <a:ea typeface="Yu Gothic" panose="020B0400000000000000" pitchFamily="34" charset="-128"/>
+                        </a:rPr>
+                        <a:t>P. </a:t>
+                      </a:r>
+                      <a:r>
+                        <a:rPr lang="en-US" sz="1400" dirty="0" err="1">
+                          <a:solidFill>
+                            <a:schemeClr val="bg1"/>
+                          </a:solidFill>
+                          <a:latin typeface="Yu Gothic" panose="020B0400000000000000" pitchFamily="34" charset="-128"/>
+                          <a:ea typeface="Yu Gothic" panose="020B0400000000000000" pitchFamily="34" charset="-128"/>
+                        </a:rPr>
+                        <a:t>copri</a:t>
+                      </a:r>
+                      <a:endParaRPr lang="en-US" sz="1400" dirty="0">
+                        <a:solidFill>
+                          <a:schemeClr val="bg1"/>
+                        </a:solidFill>
+                        <a:latin typeface="Yu Gothic" panose="020B0400000000000000" pitchFamily="34" charset="-128"/>
+                        <a:ea typeface="Yu Gothic" panose="020B0400000000000000" pitchFamily="34" charset="-128"/>
+                      </a:endParaRPr>
+                    </a:p>
+                  </a:txBody>
+                  <a:tcPr/>
+                </a:tc>
+                <a:tc>
+                  <a:txBody>
+                    <a:bodyPr/>
+                    <a:lstStyle/>
+                    <a:p>
+                      <a:pPr marL="0" indent="0">
+                        <a:buNone/>
+                      </a:pPr>
+                      <a:r>
+                        <a:rPr lang="en-US" sz="1400" dirty="0">
+                          <a:solidFill>
+                            <a:schemeClr val="accent1"/>
+                          </a:solidFill>
+                          <a:latin typeface="Yu Gothic" panose="020B0400000000000000" pitchFamily="34" charset="-128"/>
+                          <a:ea typeface="Yu Gothic" panose="020B0400000000000000" pitchFamily="34" charset="-128"/>
+                        </a:rPr>
+                        <a:t>P. </a:t>
+                      </a:r>
+                      <a:r>
+                        <a:rPr lang="en-US" sz="1400" dirty="0" err="1">
+                          <a:solidFill>
+                            <a:schemeClr val="accent1"/>
+                          </a:solidFill>
+                          <a:latin typeface="Yu Gothic" panose="020B0400000000000000" pitchFamily="34" charset="-128"/>
+                          <a:ea typeface="Yu Gothic" panose="020B0400000000000000" pitchFamily="34" charset="-128"/>
+                        </a:rPr>
+                        <a:t>distasonis</a:t>
+                      </a:r>
+                      <a:endParaRPr lang="en-US" sz="1400" dirty="0">
+                        <a:solidFill>
+                          <a:schemeClr val="accent1"/>
+                        </a:solidFill>
+                        <a:latin typeface="Yu Gothic" panose="020B0400000000000000" pitchFamily="34" charset="-128"/>
+                        <a:ea typeface="Yu Gothic" panose="020B0400000000000000" pitchFamily="34" charset="-128"/>
+                      </a:endParaRPr>
+                    </a:p>
+                  </a:txBody>
+                  <a:tcPr/>
+                </a:tc>
+                <a:tc>
+                  <a:txBody>
+                    <a:bodyPr/>
+                    <a:lstStyle/>
+                    <a:p>
+                      <a:pPr marL="0" marR="0" lvl="0" indent="0" algn="l" defTabSz="914400" rtl="0" eaLnBrk="1" fontAlgn="auto" latinLnBrk="0" hangingPunct="1">
+                        <a:lnSpc>
+                          <a:spcPct val="100000"/>
+                        </a:lnSpc>
+                        <a:spcBef>
+                          <a:spcPts val="0"/>
+                        </a:spcBef>
+                        <a:spcAft>
+                          <a:spcPts val="0"/>
+                        </a:spcAft>
+                        <a:buClrTx/>
+                        <a:buSzTx/>
+                        <a:buFontTx/>
+                        <a:buNone/>
+                        <a:tabLst/>
+                        <a:defRPr/>
+                      </a:pPr>
+                      <a:r>
+                        <a:rPr lang="en-US" sz="1400" dirty="0">
+                          <a:solidFill>
+                            <a:schemeClr val="accent1"/>
+                          </a:solidFill>
+                          <a:latin typeface="Yu Gothic" panose="020B0400000000000000" pitchFamily="34" charset="-128"/>
+                          <a:ea typeface="Yu Gothic" panose="020B0400000000000000" pitchFamily="34" charset="-128"/>
+                        </a:rPr>
+                        <a:t>P. </a:t>
+                      </a:r>
+                      <a:r>
+                        <a:rPr lang="en-US" sz="1400" dirty="0" err="1">
+                          <a:solidFill>
+                            <a:schemeClr val="accent1"/>
+                          </a:solidFill>
+                          <a:latin typeface="Yu Gothic" panose="020B0400000000000000" pitchFamily="34" charset="-128"/>
+                          <a:ea typeface="Yu Gothic" panose="020B0400000000000000" pitchFamily="34" charset="-128"/>
+                        </a:rPr>
+                        <a:t>merdae</a:t>
+                      </a:r>
+                      <a:endParaRPr lang="en-US" sz="1400" dirty="0">
+                        <a:solidFill>
+                          <a:schemeClr val="accent1"/>
+                        </a:solidFill>
+                        <a:latin typeface="Yu Gothic" panose="020B0400000000000000" pitchFamily="34" charset="-128"/>
+                        <a:ea typeface="Yu Gothic" panose="020B0400000000000000" pitchFamily="34" charset="-128"/>
+                      </a:endParaRPr>
+                    </a:p>
+                  </a:txBody>
+                  <a:tcPr/>
+                </a:tc>
+                <a:extLst>
+                  <a:ext uri="{0D108BD9-81ED-4DB2-BD59-A6C34878D82A}">
+                    <a16:rowId xmlns:a16="http://schemas.microsoft.com/office/drawing/2014/main" val="3127817436"/>
+                  </a:ext>
+                </a:extLst>
+              </a:tr>
+              <a:tr h="476116">
+                <a:tc>
+                  <a:txBody>
+                    <a:bodyPr/>
+                    <a:lstStyle/>
+                    <a:p>
+                      <a:r>
+                        <a:rPr lang="en-US" sz="1400" dirty="0">
+                          <a:latin typeface="Yu Gothic" panose="020B0400000000000000" pitchFamily="34" charset="-128"/>
+                          <a:ea typeface="Yu Gothic" panose="020B0400000000000000" pitchFamily="34" charset="-128"/>
+                        </a:rPr>
+                        <a:t>Multiple Epochs</a:t>
+                      </a:r>
+                    </a:p>
+                  </a:txBody>
+                  <a:tcPr/>
+                </a:tc>
+                <a:tc>
+                  <a:txBody>
+                    <a:bodyPr/>
+                    <a:lstStyle/>
+                    <a:p>
+                      <a:r>
+                        <a:rPr lang="en-US" sz="1400" dirty="0">
+                          <a:latin typeface="Yu Gothic" panose="020B0400000000000000" pitchFamily="34" charset="-128"/>
+                          <a:ea typeface="Yu Gothic" panose="020B0400000000000000" pitchFamily="34" charset="-128"/>
+                        </a:rPr>
+                        <a:t>-867.452254515</a:t>
+                      </a:r>
+                    </a:p>
+                  </a:txBody>
+                  <a:tcPr/>
+                </a:tc>
+                <a:tc>
+                  <a:txBody>
+                    <a:bodyPr/>
+                    <a:lstStyle/>
+                    <a:p>
+                      <a:r>
+                        <a:rPr lang="en-US" sz="1400" dirty="0">
+                          <a:solidFill>
+                            <a:schemeClr val="tx1"/>
+                          </a:solidFill>
+                          <a:latin typeface="Yu Gothic" panose="020B0400000000000000" pitchFamily="34" charset="-128"/>
+                          <a:ea typeface="Yu Gothic" panose="020B0400000000000000" pitchFamily="34" charset="-128"/>
+                        </a:rPr>
+                        <a:t>-1370.77198462</a:t>
+                      </a:r>
+                    </a:p>
+                  </a:txBody>
+                  <a:tcPr/>
+                </a:tc>
+                <a:tc>
+                  <a:txBody>
+                    <a:bodyPr/>
+                    <a:lstStyle/>
+                    <a:p>
+                      <a:r>
+                        <a:rPr lang="en-US" sz="1400" dirty="0">
+                          <a:solidFill>
+                            <a:schemeClr val="tx1"/>
+                          </a:solidFill>
+                          <a:latin typeface="Yu Gothic" panose="020B0400000000000000" pitchFamily="34" charset="-128"/>
+                          <a:ea typeface="Yu Gothic" panose="020B0400000000000000" pitchFamily="34" charset="-128"/>
+                        </a:rPr>
+                        <a:t>-302.787657196</a:t>
+                      </a:r>
+                    </a:p>
+                  </a:txBody>
+                  <a:tcPr/>
+                </a:tc>
+                <a:tc>
+                  <a:txBody>
+                    <a:bodyPr/>
+                    <a:lstStyle/>
+                    <a:p>
+                      <a:r>
+                        <a:rPr lang="en-US" sz="1400" dirty="0">
+                          <a:solidFill>
+                            <a:schemeClr val="accent1"/>
+                          </a:solidFill>
+                          <a:latin typeface="Yu Gothic" panose="020B0400000000000000" pitchFamily="34" charset="-128"/>
+                          <a:ea typeface="Yu Gothic" panose="020B0400000000000000" pitchFamily="34" charset="-128"/>
+                        </a:rPr>
+                        <a:t>-320.731290313</a:t>
+                      </a:r>
+                    </a:p>
+                  </a:txBody>
+                  <a:tcPr/>
+                </a:tc>
+                <a:tc>
+                  <a:txBody>
+                    <a:bodyPr/>
+                    <a:lstStyle/>
+                    <a:p>
+                      <a:r>
+                        <a:rPr lang="en-US" sz="1400" dirty="0">
+                          <a:solidFill>
+                            <a:schemeClr val="accent1"/>
+                          </a:solidFill>
+                          <a:latin typeface="Yu Gothic" panose="020B0400000000000000" pitchFamily="34" charset="-128"/>
+                          <a:ea typeface="Yu Gothic" panose="020B0400000000000000" pitchFamily="34" charset="-128"/>
+                        </a:rPr>
+                        <a:t>-145.417035346</a:t>
+                      </a:r>
+                    </a:p>
+                  </a:txBody>
+                  <a:tcPr/>
+                </a:tc>
+                <a:extLst>
+                  <a:ext uri="{0D108BD9-81ED-4DB2-BD59-A6C34878D82A}">
+                    <a16:rowId xmlns:a16="http://schemas.microsoft.com/office/drawing/2014/main" val="403070783"/>
+                  </a:ext>
+                </a:extLst>
+              </a:tr>
+              <a:tr h="476116">
+                <a:tc>
+                  <a:txBody>
+                    <a:bodyPr/>
+                    <a:lstStyle/>
+                    <a:p>
+                      <a:r>
+                        <a:rPr lang="en-US" sz="1400">
+                          <a:latin typeface="Yu Gothic" panose="020B0400000000000000" pitchFamily="34" charset="-128"/>
+                          <a:ea typeface="Yu Gothic" panose="020B0400000000000000" pitchFamily="34" charset="-128"/>
+                        </a:rPr>
+                        <a:t>One Epoch (SNM)</a:t>
+                      </a:r>
+                    </a:p>
+                  </a:txBody>
+                  <a:tcPr/>
+                </a:tc>
+                <a:tc>
+                  <a:txBody>
+                    <a:bodyPr/>
+                    <a:lstStyle/>
+                    <a:p>
+                      <a:r>
+                        <a:rPr lang="en-US" sz="1400" dirty="0">
+                          <a:latin typeface="Yu Gothic" panose="020B0400000000000000" pitchFamily="34" charset="-128"/>
+                          <a:ea typeface="Yu Gothic" panose="020B0400000000000000" pitchFamily="34" charset="-128"/>
+                        </a:rPr>
+                        <a:t>-867.452252566</a:t>
+                      </a:r>
+                    </a:p>
+                  </a:txBody>
+                  <a:tcPr/>
+                </a:tc>
+                <a:tc>
+                  <a:txBody>
+                    <a:bodyPr/>
+                    <a:lstStyle/>
+                    <a:p>
+                      <a:r>
+                        <a:rPr lang="en-US" sz="1400" dirty="0">
+                          <a:solidFill>
+                            <a:schemeClr val="tx1"/>
+                          </a:solidFill>
+                          <a:latin typeface="Yu Gothic" panose="020B0400000000000000" pitchFamily="34" charset="-128"/>
+                          <a:ea typeface="Yu Gothic" panose="020B0400000000000000" pitchFamily="34" charset="-128"/>
+                        </a:rPr>
+                        <a:t>-1370.77198195</a:t>
+                      </a:r>
+                    </a:p>
+                  </a:txBody>
+                  <a:tcPr/>
+                </a:tc>
+                <a:tc>
+                  <a:txBody>
+                    <a:bodyPr/>
+                    <a:lstStyle/>
+                    <a:p>
+                      <a:r>
+                        <a:rPr lang="en-US" sz="1400" dirty="0">
+                          <a:solidFill>
+                            <a:schemeClr val="tx1"/>
+                          </a:solidFill>
+                          <a:latin typeface="Yu Gothic" panose="020B0400000000000000" pitchFamily="34" charset="-128"/>
+                          <a:ea typeface="Yu Gothic" panose="020B0400000000000000" pitchFamily="34" charset="-128"/>
+                        </a:rPr>
+                        <a:t>-302.787655984</a:t>
+                      </a:r>
+                    </a:p>
+                  </a:txBody>
+                  <a:tcPr/>
+                </a:tc>
+                <a:tc>
+                  <a:txBody>
+                    <a:bodyPr/>
+                    <a:lstStyle/>
+                    <a:p>
+                      <a:r>
+                        <a:rPr lang="en-US" sz="1400" dirty="0">
+                          <a:solidFill>
+                            <a:schemeClr val="accent1"/>
+                          </a:solidFill>
+                          <a:latin typeface="Yu Gothic" panose="020B0400000000000000" pitchFamily="34" charset="-128"/>
+                          <a:ea typeface="Yu Gothic" panose="020B0400000000000000" pitchFamily="34" charset="-128"/>
+                        </a:rPr>
+                        <a:t>-421.232898312</a:t>
+                      </a:r>
+                    </a:p>
+                  </a:txBody>
+                  <a:tcPr/>
+                </a:tc>
+                <a:tc>
+                  <a:txBody>
+                    <a:bodyPr/>
+                    <a:lstStyle/>
+                    <a:p>
+                      <a:r>
+                        <a:rPr lang="en-US" sz="1400" dirty="0">
+                          <a:solidFill>
+                            <a:schemeClr val="accent1"/>
+                          </a:solidFill>
+                          <a:latin typeface="Yu Gothic" panose="020B0400000000000000" pitchFamily="34" charset="-128"/>
+                          <a:ea typeface="Yu Gothic" panose="020B0400000000000000" pitchFamily="34" charset="-128"/>
+                        </a:rPr>
+                        <a:t>-179.740046365</a:t>
+                      </a:r>
+                    </a:p>
+                  </a:txBody>
+                  <a:tcPr/>
+                </a:tc>
+                <a:extLst>
+                  <a:ext uri="{0D108BD9-81ED-4DB2-BD59-A6C34878D82A}">
+                    <a16:rowId xmlns:a16="http://schemas.microsoft.com/office/drawing/2014/main" val="363249991"/>
+                  </a:ext>
+                </a:extLst>
+              </a:tr>
+            </a:tbl>
+          </a:graphicData>
+        </a:graphic>
+      </p:graphicFrame>
+      <p:graphicFrame>
+        <p:nvGraphicFramePr>
+          <p:cNvPr id="5" name="Table 4">
+            <a:extLst>
+              <a:ext uri="{FF2B5EF4-FFF2-40B4-BE49-F238E27FC236}">
+                <a16:creationId xmlns:a16="http://schemas.microsoft.com/office/drawing/2014/main" id="{33C1E931-5DCE-44D1-8B5E-03DF8DCA05A8}"/>
+              </a:ext>
+            </a:extLst>
+          </p:cNvPr>
+          <p:cNvGraphicFramePr>
+            <a:graphicFrameLocks noGrp="1"/>
+          </p:cNvGraphicFramePr>
+          <p:nvPr>
+            <p:extLst>
+              <p:ext uri="{D42A27DB-BD31-4B8C-83A1-F6EECF244321}">
+                <p14:modId xmlns:p14="http://schemas.microsoft.com/office/powerpoint/2010/main" val="3698380104"/>
+              </p:ext>
+            </p:extLst>
+          </p:nvPr>
+        </p:nvGraphicFramePr>
+        <p:xfrm>
+          <a:off x="397040" y="4311850"/>
+          <a:ext cx="11562348" cy="1428348"/>
+        </p:xfrm>
+        <a:graphic>
+          <a:graphicData uri="http://schemas.openxmlformats.org/drawingml/2006/table">
+            <a:tbl>
+              <a:tblPr firstRow="1" bandRow="1">
+                <a:tableStyleId>{073A0DAA-6AF3-43AB-8588-CEC1D06C72B9}</a:tableStyleId>
+              </a:tblPr>
+              <a:tblGrid>
+                <a:gridCol w="1927058">
+                  <a:extLst>
+                    <a:ext uri="{9D8B030D-6E8A-4147-A177-3AD203B41FA5}">
+                      <a16:colId xmlns:a16="http://schemas.microsoft.com/office/drawing/2014/main" val="424002301"/>
+                    </a:ext>
+                  </a:extLst>
+                </a:gridCol>
+                <a:gridCol w="1927058">
+                  <a:extLst>
+                    <a:ext uri="{9D8B030D-6E8A-4147-A177-3AD203B41FA5}">
+                      <a16:colId xmlns:a16="http://schemas.microsoft.com/office/drawing/2014/main" val="14533387"/>
+                    </a:ext>
+                  </a:extLst>
+                </a:gridCol>
+                <a:gridCol w="1927058">
+                  <a:extLst>
+                    <a:ext uri="{9D8B030D-6E8A-4147-A177-3AD203B41FA5}">
+                      <a16:colId xmlns:a16="http://schemas.microsoft.com/office/drawing/2014/main" val="429341946"/>
+                    </a:ext>
+                  </a:extLst>
+                </a:gridCol>
+                <a:gridCol w="1927058">
+                  <a:extLst>
+                    <a:ext uri="{9D8B030D-6E8A-4147-A177-3AD203B41FA5}">
+                      <a16:colId xmlns:a16="http://schemas.microsoft.com/office/drawing/2014/main" val="190986599"/>
+                    </a:ext>
+                  </a:extLst>
+                </a:gridCol>
+                <a:gridCol w="1927058">
+                  <a:extLst>
+                    <a:ext uri="{9D8B030D-6E8A-4147-A177-3AD203B41FA5}">
+                      <a16:colId xmlns:a16="http://schemas.microsoft.com/office/drawing/2014/main" val="3291560764"/>
+                    </a:ext>
+                  </a:extLst>
+                </a:gridCol>
+                <a:gridCol w="1927058">
+                  <a:extLst>
+                    <a:ext uri="{9D8B030D-6E8A-4147-A177-3AD203B41FA5}">
+                      <a16:colId xmlns:a16="http://schemas.microsoft.com/office/drawing/2014/main" val="3562168247"/>
+                    </a:ext>
+                  </a:extLst>
+                </a:gridCol>
+              </a:tblGrid>
+              <a:tr h="476116">
+                <a:tc>
+                  <a:txBody>
+                    <a:bodyPr/>
+                    <a:lstStyle/>
+                    <a:p>
+                      <a:r>
+                        <a:rPr lang="en-US" sz="1500"/>
+                        <a:t>Species</a:t>
+                      </a:r>
+                    </a:p>
+                  </a:txBody>
+                  <a:tcPr/>
+                </a:tc>
+                <a:tc>
+                  <a:txBody>
+                    <a:bodyPr/>
+                    <a:lstStyle/>
+                    <a:p>
+                      <a:pPr marL="0" indent="0">
+                        <a:buNone/>
+                      </a:pPr>
+                      <a:r>
+                        <a:rPr lang="en-US" sz="1500" dirty="0">
+                          <a:solidFill>
+                            <a:schemeClr val="accent1"/>
+                          </a:solidFill>
+                        </a:rPr>
+                        <a:t>P. </a:t>
+                      </a:r>
+                      <a:r>
+                        <a:rPr lang="en-US" sz="1500" dirty="0" err="1">
+                          <a:solidFill>
+                            <a:schemeClr val="accent1"/>
+                          </a:solidFill>
+                        </a:rPr>
+                        <a:t>sp</a:t>
+                      </a:r>
+                      <a:endParaRPr lang="en-US" sz="1500" dirty="0">
+                        <a:solidFill>
+                          <a:schemeClr val="accent1"/>
+                        </a:solidFill>
+                      </a:endParaRPr>
+                    </a:p>
+                  </a:txBody>
+                  <a:tcPr/>
+                </a:tc>
+                <a:tc>
+                  <a:txBody>
+                    <a:bodyPr/>
+                    <a:lstStyle/>
+                    <a:p>
+                      <a:pPr marL="0" indent="0">
+                        <a:buNone/>
+                      </a:pPr>
+                      <a:r>
+                        <a:rPr lang="en-US" sz="1500" dirty="0"/>
+                        <a:t>R. </a:t>
+                      </a:r>
+                      <a:r>
+                        <a:rPr lang="en-US" sz="1500" dirty="0" err="1"/>
+                        <a:t>bromii</a:t>
+                      </a:r>
+                      <a:endParaRPr lang="en-US" sz="1500" dirty="0"/>
+                    </a:p>
+                  </a:txBody>
+                  <a:tcPr/>
+                </a:tc>
+                <a:tc>
+                  <a:txBody>
+                    <a:bodyPr/>
+                    <a:lstStyle/>
+                    <a:p>
+                      <a:pPr marL="0" indent="0">
+                        <a:buNone/>
+                      </a:pPr>
+                      <a:endParaRPr lang="en-US" sz="1500" dirty="0"/>
+                    </a:p>
+                  </a:txBody>
+                  <a:tcPr/>
+                </a:tc>
+                <a:tc>
+                  <a:txBody>
+                    <a:bodyPr/>
+                    <a:lstStyle/>
+                    <a:p>
+                      <a:pPr marL="0" indent="0">
+                        <a:buNone/>
+                      </a:pPr>
+                      <a:endParaRPr lang="en-US" sz="1500" dirty="0"/>
+                    </a:p>
+                  </a:txBody>
+                  <a:tcPr/>
+                </a:tc>
+                <a:tc>
+                  <a:txBody>
+                    <a:bodyPr/>
+                    <a:lstStyle/>
+                    <a:p>
+                      <a:endParaRPr lang="en-US" sz="1500" dirty="0"/>
+                    </a:p>
+                  </a:txBody>
+                  <a:tcPr/>
+                </a:tc>
+                <a:extLst>
+                  <a:ext uri="{0D108BD9-81ED-4DB2-BD59-A6C34878D82A}">
+                    <a16:rowId xmlns:a16="http://schemas.microsoft.com/office/drawing/2014/main" val="3127817436"/>
+                  </a:ext>
+                </a:extLst>
+              </a:tr>
+              <a:tr h="476116">
+                <a:tc>
+                  <a:txBody>
+                    <a:bodyPr/>
+                    <a:lstStyle/>
+                    <a:p>
+                      <a:r>
+                        <a:rPr lang="en-US" sz="1500" dirty="0"/>
+                        <a:t>Multiple Epochs</a:t>
+                      </a:r>
+                    </a:p>
+                  </a:txBody>
+                  <a:tcPr/>
+                </a:tc>
+                <a:tc>
+                  <a:txBody>
+                    <a:bodyPr/>
+                    <a:lstStyle/>
+                    <a:p>
+                      <a:r>
+                        <a:rPr lang="en-US" sz="1500" dirty="0">
+                          <a:solidFill>
+                            <a:schemeClr val="accent1"/>
+                          </a:solidFill>
+                        </a:rPr>
+                        <a:t>-430.474558031</a:t>
+                      </a:r>
+                    </a:p>
+                  </a:txBody>
+                  <a:tcPr/>
+                </a:tc>
+                <a:tc>
+                  <a:txBody>
+                    <a:bodyPr/>
+                    <a:lstStyle/>
+                    <a:p>
+                      <a:r>
+                        <a:rPr lang="en-US" sz="1500" dirty="0"/>
+                        <a:t>-569.361933978</a:t>
+                      </a:r>
+                    </a:p>
+                  </a:txBody>
+                  <a:tcPr/>
+                </a:tc>
+                <a:tc>
+                  <a:txBody>
+                    <a:bodyPr/>
+                    <a:lstStyle/>
+                    <a:p>
+                      <a:endParaRPr lang="en-US" sz="1500" dirty="0"/>
+                    </a:p>
+                  </a:txBody>
+                  <a:tcPr/>
+                </a:tc>
+                <a:tc>
+                  <a:txBody>
+                    <a:bodyPr/>
+                    <a:lstStyle/>
+                    <a:p>
+                      <a:endParaRPr lang="en-US" sz="1500" dirty="0"/>
+                    </a:p>
+                  </a:txBody>
+                  <a:tcPr/>
+                </a:tc>
+                <a:tc>
+                  <a:txBody>
+                    <a:bodyPr/>
+                    <a:lstStyle/>
+                    <a:p>
+                      <a:endParaRPr lang="en-US" sz="1500" dirty="0"/>
+                    </a:p>
+                  </a:txBody>
+                  <a:tcPr/>
+                </a:tc>
+                <a:extLst>
+                  <a:ext uri="{0D108BD9-81ED-4DB2-BD59-A6C34878D82A}">
+                    <a16:rowId xmlns:a16="http://schemas.microsoft.com/office/drawing/2014/main" val="403070783"/>
+                  </a:ext>
+                </a:extLst>
+              </a:tr>
+              <a:tr h="476116">
+                <a:tc>
+                  <a:txBody>
+                    <a:bodyPr/>
+                    <a:lstStyle/>
+                    <a:p>
+                      <a:r>
+                        <a:rPr lang="en-US" sz="1500"/>
+                        <a:t>One Epoch (SNM)</a:t>
+                      </a:r>
+                    </a:p>
+                  </a:txBody>
+                  <a:tcPr/>
+                </a:tc>
+                <a:tc>
+                  <a:txBody>
+                    <a:bodyPr/>
+                    <a:lstStyle/>
+                    <a:p>
+                      <a:r>
+                        <a:rPr lang="en-US" sz="1500" dirty="0">
+                          <a:solidFill>
+                            <a:schemeClr val="accent1"/>
+                          </a:solidFill>
+                        </a:rPr>
+                        <a:t>-446.321619655</a:t>
+                      </a:r>
+                    </a:p>
+                  </a:txBody>
+                  <a:tcPr/>
+                </a:tc>
+                <a:tc>
+                  <a:txBody>
+                    <a:bodyPr/>
+                    <a:lstStyle/>
+                    <a:p>
+                      <a:r>
+                        <a:rPr lang="en-US" sz="1500" dirty="0"/>
+                        <a:t>-569.361932584</a:t>
+                      </a:r>
+                    </a:p>
+                  </a:txBody>
+                  <a:tcPr/>
+                </a:tc>
+                <a:tc>
+                  <a:txBody>
+                    <a:bodyPr/>
+                    <a:lstStyle/>
+                    <a:p>
+                      <a:endParaRPr lang="en-US" sz="1500" dirty="0"/>
+                    </a:p>
+                  </a:txBody>
+                  <a:tcPr/>
+                </a:tc>
+                <a:tc>
+                  <a:txBody>
+                    <a:bodyPr/>
+                    <a:lstStyle/>
+                    <a:p>
+                      <a:endParaRPr lang="en-US" sz="1500" dirty="0"/>
+                    </a:p>
+                  </a:txBody>
+                  <a:tcPr/>
+                </a:tc>
+                <a:tc>
+                  <a:txBody>
+                    <a:bodyPr/>
+                    <a:lstStyle/>
+                    <a:p>
+                      <a:endParaRPr lang="en-US" sz="1500" dirty="0"/>
+                    </a:p>
+                  </a:txBody>
+                  <a:tcPr/>
+                </a:tc>
+                <a:extLst>
+                  <a:ext uri="{0D108BD9-81ED-4DB2-BD59-A6C34878D82A}">
+                    <a16:rowId xmlns:a16="http://schemas.microsoft.com/office/drawing/2014/main" val="363249991"/>
+                  </a:ext>
+                </a:extLst>
+              </a:tr>
+            </a:tbl>
+          </a:graphicData>
+        </a:graphic>
+      </p:graphicFrame>
+    </p:spTree>
+    <p:extLst>
+      <p:ext uri="{BB962C8B-B14F-4D97-AF65-F5344CB8AC3E}">
+        <p14:creationId xmlns:p14="http://schemas.microsoft.com/office/powerpoint/2010/main" val="1982982329"/>
+      </p:ext>
+    </p:extLst>
+  </p:cSld>
+  <p:clrMapOvr>
+    <a:masterClrMapping/>
+  </p:clrMapOvr>
+</p:sld>
+</file>
+
+<file path=ppt/slides/slide7.xml><?xml version="1.0" encoding="utf-8"?>
+<p:sld xmlns:a="http://schemas.openxmlformats.org/drawingml/2006/main" xmlns:r="http://schemas.openxmlformats.org/officeDocument/2006/relationships" xmlns:p="http://schemas.openxmlformats.org/presentationml/2006/main">
+  <p:cSld>
+    <p:spTree>
+      <p:nvGrpSpPr>
+        <p:cNvPr id="1" name=""/>
+        <p:cNvGrpSpPr/>
+        <p:nvPr/>
+      </p:nvGrpSpPr>
+      <p:grpSpPr>
+        <a:xfrm>
+          <a:off x="0" y="0"/>
+          <a:ext cx="0" cy="0"/>
+          <a:chOff x="0" y="0"/>
+          <a:chExt cx="0" cy="0"/>
+        </a:xfrm>
+      </p:grpSpPr>
+      <p:sp>
+        <p:nvSpPr>
+          <p:cNvPr id="2" name="Title 1">
+            <a:extLst>
+              <a:ext uri="{FF2B5EF4-FFF2-40B4-BE49-F238E27FC236}">
                 <a16:creationId xmlns:a16="http://schemas.microsoft.com/office/drawing/2014/main" id="{70F90637-4A30-4F71-8DC3-12B316BD2A1B}"/>
               </a:ext>
             </a:extLst>
@@ -5427,7 +7566,7 @@
 </p:sld>
 </file>
 
-<file path=ppt/slides/slide6.xml><?xml version="1.0" encoding="utf-8"?>
+<file path=ppt/slides/slide8.xml><?xml version="1.0" encoding="utf-8"?>
 <p:sld xmlns:a="http://schemas.openxmlformats.org/drawingml/2006/main" xmlns:r="http://schemas.openxmlformats.org/officeDocument/2006/relationships" xmlns:p="http://schemas.openxmlformats.org/presentationml/2006/main">
   <p:cSld>
     <p:spTree>
@@ -5519,7 +7658,7 @@
 </p:sld>
 </file>
 
-<file path=ppt/slides/slide7.xml><?xml version="1.0" encoding="utf-8"?>
+<file path=ppt/slides/slide9.xml><?xml version="1.0" encoding="utf-8"?>
 <p:sld xmlns:a="http://schemas.openxmlformats.org/drawingml/2006/main" xmlns:r="http://schemas.openxmlformats.org/officeDocument/2006/relationships" xmlns:p="http://schemas.openxmlformats.org/presentationml/2006/main">
   <p:cSld>
     <p:spTree>

--- a/Summary/20220202_microbiome_demographic_slides.pptx
+++ b/Summary/20220202_microbiome_demographic_slides.pptx
@@ -4169,7 +4169,7 @@
           <a:lstStyle/>
           <a:p>
             <a:r>
-              <a:rPr lang="en-US" dirty="0">
+              <a:rPr lang="en-US">
                 <a:solidFill>
                   <a:schemeClr val="tx1">
                     <a:lumMod val="50000"/>
@@ -4184,7 +4184,7 @@
           </a:p>
           <a:p>
             <a:r>
-              <a:rPr lang="en-US" dirty="0">
+              <a:rPr lang="en-US">
                 <a:solidFill>
                   <a:schemeClr val="tx1">
                     <a:lumMod val="50000"/>
@@ -4199,7 +4199,7 @@
           </a:p>
           <a:p>
             <a:r>
-              <a:rPr lang="en-US" dirty="0">
+              <a:rPr lang="en-US">
                 <a:solidFill>
                   <a:schemeClr val="tx1">
                     <a:lumMod val="50000"/>
@@ -4266,7 +4266,7 @@
           <a:lstStyle/>
           <a:p>
             <a:r>
-              <a:rPr lang="en-US" dirty="0">
+              <a:rPr lang="en-US">
                 <a:latin typeface="Yu Gothic" panose="020B0400000000000000" pitchFamily="34" charset="-128"/>
                 <a:ea typeface="Yu Gothic" panose="020B0400000000000000" pitchFamily="34" charset="-128"/>
               </a:rPr>
@@ -4299,7 +4299,7 @@
           <a:lstStyle/>
           <a:p>
             <a:r>
-              <a:rPr lang="en-US" dirty="0">
+              <a:rPr lang="en-US">
                 <a:latin typeface="Yu Gothic" panose="020B0400000000000000" pitchFamily="34" charset="-128"/>
                 <a:ea typeface="Yu Gothic" panose="020B0400000000000000" pitchFamily="34" charset="-128"/>
               </a:rPr>
@@ -4309,7 +4309,7 @@
           <a:p>
             <a:pPr lvl="1"/>
             <a:r>
-              <a:rPr lang="en-US" dirty="0">
+              <a:rPr lang="en-US">
                 <a:latin typeface="Yu Gothic" panose="020B0400000000000000" pitchFamily="34" charset="-128"/>
                 <a:ea typeface="Yu Gothic" panose="020B0400000000000000" pitchFamily="34" charset="-128"/>
               </a:rPr>
@@ -4317,7 +4317,7 @@
             </a:r>
           </a:p>
           <a:p>
-            <a:endParaRPr lang="en-US" dirty="0">
+            <a:endParaRPr lang="en-US">
               <a:latin typeface="Yu Gothic" panose="020B0400000000000000" pitchFamily="34" charset="-128"/>
               <a:ea typeface="Yu Gothic" panose="020B0400000000000000" pitchFamily="34" charset="-128"/>
             </a:endParaRPr>
@@ -4376,7 +4376,7 @@
           <a:lstStyle/>
           <a:p>
             <a:r>
-              <a:rPr lang="en-US" dirty="0">
+              <a:rPr lang="en-US">
                 <a:latin typeface="Yu Gothic" panose="020B0400000000000000" pitchFamily="34" charset="-128"/>
                 <a:ea typeface="Yu Gothic" panose="020B0400000000000000" pitchFamily="34" charset="-128"/>
               </a:rPr>
@@ -4409,7 +4409,7 @@
           <a:lstStyle/>
           <a:p>
             <a:r>
-              <a:rPr lang="en-US" dirty="0">
+              <a:rPr lang="en-US">
                 <a:latin typeface="Yu Gothic" panose="020B0400000000000000" pitchFamily="34" charset="-128"/>
                 <a:ea typeface="Yu Gothic" panose="020B0400000000000000" pitchFamily="34" charset="-128"/>
               </a:rPr>
@@ -4418,7 +4418,7 @@
           </a:p>
           <a:p>
             <a:r>
-              <a:rPr lang="en-US" dirty="0">
+              <a:rPr lang="en-US">
                 <a:latin typeface="Yu Gothic" panose="020B0400000000000000" pitchFamily="34" charset="-128"/>
                 <a:ea typeface="Yu Gothic" panose="020B0400000000000000" pitchFamily="34" charset="-128"/>
               </a:rPr>
@@ -4427,21 +4427,21 @@
           </a:p>
           <a:p>
             <a:r>
-              <a:rPr lang="en-US" dirty="0">
+              <a:rPr lang="en-US">
                 <a:latin typeface="Yu Gothic" panose="020B0400000000000000" pitchFamily="34" charset="-128"/>
                 <a:ea typeface="Yu Gothic" panose="020B0400000000000000" pitchFamily="34" charset="-128"/>
               </a:rPr>
               <a:t>I think that maybe looking a little more closely into </a:t>
             </a:r>
             <a:r>
-              <a:rPr lang="en-US" i="1" dirty="0">
+              <a:rPr lang="en-US" i="1">
                 <a:latin typeface="Yu Gothic" panose="020B0400000000000000" pitchFamily="34" charset="-128"/>
                 <a:ea typeface="Yu Gothic" panose="020B0400000000000000" pitchFamily="34" charset="-128"/>
               </a:rPr>
               <a:t>why only some species</a:t>
             </a:r>
             <a:r>
-              <a:rPr lang="en-US" dirty="0">
+              <a:rPr lang="en-US">
                 <a:latin typeface="Yu Gothic" panose="020B0400000000000000" pitchFamily="34" charset="-128"/>
                 <a:ea typeface="Yu Gothic" panose="020B0400000000000000" pitchFamily="34" charset="-128"/>
               </a:rPr>
@@ -4612,7 +4612,7 @@
                         <a:buNone/>
                       </a:pPr>
                       <a:r>
-                        <a:rPr lang="en-US" sz="1500" dirty="0">
+                        <a:rPr lang="en-US" sz="1500">
                           <a:solidFill>
                             <a:schemeClr val="accent1"/>
                           </a:solidFill>
@@ -4620,14 +4620,14 @@
                         <a:t>A. </a:t>
                       </a:r>
                       <a:r>
-                        <a:rPr lang="en-US" sz="1500" dirty="0" err="1">
+                        <a:rPr lang="en-US" sz="1500" err="1">
                           <a:solidFill>
                             <a:schemeClr val="accent1"/>
                           </a:solidFill>
                         </a:rPr>
                         <a:t>finegoldii</a:t>
                       </a:r>
-                      <a:endParaRPr lang="en-US" sz="1500" dirty="0">
+                      <a:endParaRPr lang="en-US" sz="1500">
                         <a:solidFill>
                           <a:schemeClr val="accent1"/>
                         </a:solidFill>
@@ -4646,7 +4646,7 @@
                         <a:buNone/>
                       </a:pPr>
                       <a:r>
-                        <a:rPr lang="en-US" sz="1500" dirty="0">
+                        <a:rPr lang="en-US" sz="1500">
                           <a:solidFill>
                             <a:schemeClr val="accent1"/>
                           </a:solidFill>
@@ -4654,14 +4654,14 @@
                         <a:t>A. </a:t>
                       </a:r>
                       <a:r>
-                        <a:rPr lang="en-US" sz="1500" dirty="0" err="1">
+                        <a:rPr lang="en-US" sz="1500" err="1">
                           <a:solidFill>
                             <a:schemeClr val="accent1"/>
                           </a:solidFill>
                         </a:rPr>
                         <a:t>muciniphila</a:t>
                       </a:r>
-                      <a:endParaRPr lang="en-US" sz="1500" dirty="0">
+                      <a:endParaRPr lang="en-US" sz="1500">
                         <a:solidFill>
                           <a:schemeClr val="accent1"/>
                         </a:solidFill>
@@ -4693,7 +4693,7 @@
                         <a:defRPr/>
                       </a:pPr>
                       <a:r>
-                        <a:rPr lang="en-US" sz="1400" dirty="0">
+                        <a:rPr lang="en-US" sz="1400">
                           <a:solidFill>
                             <a:schemeClr val="accent1"/>
                           </a:solidFill>
@@ -4703,7 +4703,7 @@
                         <a:t>A. </a:t>
                       </a:r>
                       <a:r>
-                        <a:rPr lang="en-US" sz="1400" dirty="0" err="1">
+                        <a:rPr lang="en-US" sz="1400" err="1">
                           <a:solidFill>
                             <a:schemeClr val="accent1"/>
                           </a:solidFill>
@@ -4712,7 +4712,7 @@
                         </a:rPr>
                         <a:t>onderdonkii</a:t>
                       </a:r>
-                      <a:endParaRPr lang="en-US" sz="1400" dirty="0">
+                      <a:endParaRPr lang="en-US" sz="1400">
                         <a:solidFill>
                           <a:schemeClr val="accent1"/>
                         </a:solidFill>
@@ -4746,7 +4746,7 @@
                         <a:defRPr/>
                       </a:pPr>
                       <a:r>
-                        <a:rPr lang="en-US" sz="1400" dirty="0">
+                        <a:rPr lang="en-US" sz="1400">
                           <a:solidFill>
                             <a:schemeClr val="bg1"/>
                           </a:solidFill>
@@ -4756,7 +4756,7 @@
                         <a:t>A. </a:t>
                       </a:r>
                       <a:r>
-                        <a:rPr lang="en-US" sz="1400" dirty="0" err="1">
+                        <a:rPr lang="en-US" sz="1400" err="1">
                           <a:solidFill>
                             <a:schemeClr val="bg1"/>
                           </a:solidFill>
@@ -4765,7 +4765,7 @@
                         </a:rPr>
                         <a:t>putredinis</a:t>
                       </a:r>
-                      <a:endParaRPr lang="en-US" sz="1400" dirty="0">
+                      <a:endParaRPr lang="en-US" sz="1400">
                         <a:solidFill>
                           <a:schemeClr val="bg1"/>
                         </a:solidFill>
@@ -4799,20 +4799,20 @@
                         <a:defRPr/>
                       </a:pPr>
                       <a:r>
-                        <a:rPr lang="en-US" sz="1400" dirty="0">
+                        <a:rPr lang="en-US" sz="1400">
                           <a:latin typeface="Yu Gothic" panose="020B0400000000000000" pitchFamily="34" charset="-128"/>
                           <a:ea typeface="Yu Gothic" panose="020B0400000000000000" pitchFamily="34" charset="-128"/>
                         </a:rPr>
                         <a:t>A. </a:t>
                       </a:r>
                       <a:r>
-                        <a:rPr lang="en-US" sz="1400" dirty="0" err="1">
+                        <a:rPr lang="en-US" sz="1400" err="1">
                           <a:latin typeface="Yu Gothic" panose="020B0400000000000000" pitchFamily="34" charset="-128"/>
                           <a:ea typeface="Yu Gothic" panose="020B0400000000000000" pitchFamily="34" charset="-128"/>
                         </a:rPr>
                         <a:t>shahii</a:t>
                       </a:r>
-                      <a:endParaRPr lang="en-US" sz="1400" dirty="0">
+                      <a:endParaRPr lang="en-US" sz="1400">
                         <a:latin typeface="Yu Gothic" panose="020B0400000000000000" pitchFamily="34" charset="-128"/>
                         <a:ea typeface="Yu Gothic" panose="020B0400000000000000" pitchFamily="34" charset="-128"/>
                       </a:endParaRPr>
@@ -4833,7 +4833,7 @@
                     <a:lstStyle/>
                     <a:p>
                       <a:r>
-                        <a:rPr lang="en-US" sz="1400" dirty="0">
+                        <a:rPr lang="en-US" sz="1400">
                           <a:latin typeface="Yu Gothic" panose="020B0400000000000000" pitchFamily="34" charset="-128"/>
                           <a:ea typeface="Yu Gothic" panose="020B0400000000000000" pitchFamily="34" charset="-128"/>
                         </a:rPr>
@@ -4849,7 +4849,7 @@
                     <a:lstStyle/>
                     <a:p>
                       <a:r>
-                        <a:rPr lang="en-US" sz="1500" dirty="0">
+                        <a:rPr lang="en-US" sz="1500">
                           <a:solidFill>
                             <a:schemeClr val="accent1"/>
                           </a:solidFill>
@@ -4866,7 +4866,7 @@
                     <a:lstStyle/>
                     <a:p>
                       <a:r>
-                        <a:rPr lang="en-US" sz="1500" dirty="0">
+                        <a:rPr lang="en-US" sz="1500">
                           <a:solidFill>
                             <a:schemeClr val="accent1"/>
                           </a:solidFill>
@@ -4883,7 +4883,7 @@
                     <a:lstStyle/>
                     <a:p>
                       <a:r>
-                        <a:rPr lang="en-US" sz="1400" dirty="0">
+                        <a:rPr lang="en-US" sz="1400">
                           <a:solidFill>
                             <a:schemeClr val="accent1"/>
                           </a:solidFill>
@@ -4902,7 +4902,7 @@
                     <a:lstStyle/>
                     <a:p>
                       <a:r>
-                        <a:rPr lang="en-US" sz="1400" dirty="0">
+                        <a:rPr lang="en-US" sz="1400">
                           <a:solidFill>
                             <a:schemeClr val="tx1"/>
                           </a:solidFill>
@@ -4921,7 +4921,7 @@
                     <a:lstStyle/>
                     <a:p>
                       <a:r>
-                        <a:rPr lang="en-US" sz="1400" dirty="0">
+                        <a:rPr lang="en-US" sz="1400">
                           <a:latin typeface="Yu Gothic" panose="020B0400000000000000" pitchFamily="34" charset="-128"/>
                           <a:ea typeface="Yu Gothic" panose="020B0400000000000000" pitchFamily="34" charset="-128"/>
                         </a:rPr>
@@ -4960,7 +4960,7 @@
                     <a:lstStyle/>
                     <a:p>
                       <a:r>
-                        <a:rPr lang="en-US" sz="1500" dirty="0">
+                        <a:rPr lang="en-US" sz="1500">
                           <a:solidFill>
                             <a:schemeClr val="accent1"/>
                           </a:solidFill>
@@ -4977,7 +4977,7 @@
                     <a:lstStyle/>
                     <a:p>
                       <a:r>
-                        <a:rPr lang="en-US" sz="1500" dirty="0">
+                        <a:rPr lang="en-US" sz="1500">
                           <a:solidFill>
                             <a:schemeClr val="accent1"/>
                           </a:solidFill>
@@ -4994,7 +4994,7 @@
                     <a:lstStyle/>
                     <a:p>
                       <a:r>
-                        <a:rPr lang="en-US" sz="1400" dirty="0">
+                        <a:rPr lang="en-US" sz="1400">
                           <a:solidFill>
                             <a:schemeClr val="accent1"/>
                           </a:solidFill>
@@ -5013,7 +5013,7 @@
                     <a:lstStyle/>
                     <a:p>
                       <a:r>
-                        <a:rPr lang="en-US" sz="1400" dirty="0">
+                        <a:rPr lang="en-US" sz="1400">
                           <a:solidFill>
                             <a:schemeClr val="tx1"/>
                           </a:solidFill>
@@ -5032,7 +5032,7 @@
                     <a:lstStyle/>
                     <a:p>
                       <a:r>
-                        <a:rPr lang="en-US" sz="1400" dirty="0">
+                        <a:rPr lang="en-US" sz="1400">
                           <a:latin typeface="Yu Gothic" panose="020B0400000000000000" pitchFamily="34" charset="-128"/>
                           <a:ea typeface="Yu Gothic" panose="020B0400000000000000" pitchFamily="34" charset="-128"/>
                         </a:rPr>
@@ -5149,7 +5149,7 @@
                         <a:buNone/>
                       </a:pPr>
                       <a:r>
-                        <a:rPr lang="en-US" sz="1500" dirty="0">
+                        <a:rPr lang="en-US" sz="1500">
                           <a:solidFill>
                             <a:schemeClr val="accent1"/>
                           </a:solidFill>
@@ -5170,7 +5170,7 @@
                         <a:buNone/>
                       </a:pPr>
                       <a:r>
-                        <a:rPr lang="en-US" sz="1500" dirty="0">
+                        <a:rPr lang="en-US" sz="1500">
                           <a:solidFill>
                             <a:schemeClr val="accent6">
                               <a:lumMod val="75000"/>
@@ -5180,7 +5180,7 @@
                         <a:t>B. </a:t>
                       </a:r>
                       <a:r>
-                        <a:rPr lang="en-US" sz="1500" dirty="0" err="1">
+                        <a:rPr lang="en-US" sz="1500" err="1">
                           <a:solidFill>
                             <a:schemeClr val="accent6">
                               <a:lumMod val="75000"/>
@@ -5189,7 +5189,7 @@
                         </a:rPr>
                         <a:t>caccae</a:t>
                       </a:r>
-                      <a:endParaRPr lang="en-US" sz="1500" dirty="0">
+                      <a:endParaRPr lang="en-US" sz="1500">
                         <a:solidFill>
                           <a:schemeClr val="accent6">
                             <a:lumMod val="75000"/>
@@ -5209,14 +5209,14 @@
                         <a:buNone/>
                       </a:pPr>
                       <a:r>
-                        <a:rPr lang="en-US" sz="1500" dirty="0"/>
+                        <a:rPr lang="en-US" sz="1500"/>
                         <a:t>B. </a:t>
                       </a:r>
                       <a:r>
-                        <a:rPr lang="en-US" sz="1500" dirty="0" err="1"/>
+                        <a:rPr lang="en-US" sz="1500" err="1"/>
                         <a:t>cellulolyticus</a:t>
                       </a:r>
-                      <a:endParaRPr lang="en-US" sz="1500" dirty="0"/>
+                      <a:endParaRPr lang="en-US" sz="1500"/>
                     </a:p>
                   </a:txBody>
                   <a:tcPr/>
@@ -5230,7 +5230,7 @@
                         <a:buNone/>
                       </a:pPr>
                       <a:r>
-                        <a:rPr lang="en-US" sz="1500" dirty="0"/>
+                        <a:rPr lang="en-US" sz="1500"/>
                         <a:t>B. fragilis</a:t>
                       </a:r>
                     </a:p>
@@ -5247,7 +5247,7 @@
                         <a:buNone/>
                       </a:pPr>
                       <a:r>
-                        <a:rPr lang="en-US" sz="1500" dirty="0">
+                        <a:rPr lang="en-US" sz="1500">
                           <a:solidFill>
                             <a:schemeClr val="accent1"/>
                           </a:solidFill>
@@ -5255,14 +5255,14 @@
                         <a:t>B. </a:t>
                       </a:r>
                       <a:r>
-                        <a:rPr lang="en-US" sz="1500" dirty="0" err="1">
+                        <a:rPr lang="en-US" sz="1500" err="1">
                           <a:solidFill>
                             <a:schemeClr val="accent1"/>
                           </a:solidFill>
                         </a:rPr>
                         <a:t>intestinihominis</a:t>
                       </a:r>
-                      <a:endParaRPr lang="en-US" sz="1500" dirty="0">
+                      <a:endParaRPr lang="en-US" sz="1500">
                         <a:solidFill>
                           <a:schemeClr val="accent1"/>
                         </a:solidFill>
@@ -5284,7 +5284,7 @@
                     <a:lstStyle/>
                     <a:p>
                       <a:r>
-                        <a:rPr lang="en-US" sz="1500" dirty="0"/>
+                        <a:rPr lang="en-US" sz="1500"/>
                         <a:t>Multiple Epochs</a:t>
                       </a:r>
                     </a:p>
@@ -5297,7 +5297,7 @@
                     <a:lstStyle/>
                     <a:p>
                       <a:r>
-                        <a:rPr lang="en-US" sz="1500" dirty="0">
+                        <a:rPr lang="en-US" sz="1500">
                           <a:solidFill>
                             <a:schemeClr val="accent1"/>
                           </a:solidFill>
@@ -5314,7 +5314,7 @@
                     <a:lstStyle/>
                     <a:p>
                       <a:r>
-                        <a:rPr lang="en-US" sz="1500" dirty="0">
+                        <a:rPr lang="en-US" sz="1500">
                           <a:solidFill>
                             <a:schemeClr val="accent6">
                               <a:lumMod val="75000"/>
@@ -5333,7 +5333,7 @@
                     <a:lstStyle/>
                     <a:p>
                       <a:r>
-                        <a:rPr lang="en-US" sz="1500" dirty="0"/>
+                        <a:rPr lang="en-US" sz="1500"/>
                         <a:t>-1167.48967523</a:t>
                       </a:r>
                     </a:p>
@@ -5346,7 +5346,7 @@
                     <a:lstStyle/>
                     <a:p>
                       <a:r>
-                        <a:rPr lang="en-US" sz="1500" dirty="0"/>
+                        <a:rPr lang="en-US" sz="1500"/>
                         <a:t>-311.019501502</a:t>
                       </a:r>
                     </a:p>
@@ -5359,7 +5359,7 @@
                     <a:lstStyle/>
                     <a:p>
                       <a:r>
-                        <a:rPr lang="en-US" sz="1500" dirty="0">
+                        <a:rPr lang="en-US" sz="1500">
                           <a:solidFill>
                             <a:schemeClr val="accent1"/>
                           </a:solidFill>
@@ -5396,7 +5396,7 @@
                     <a:lstStyle/>
                     <a:p>
                       <a:r>
-                        <a:rPr lang="en-US" sz="1500" dirty="0">
+                        <a:rPr lang="en-US" sz="1500">
                           <a:solidFill>
                             <a:schemeClr val="accent1"/>
                           </a:solidFill>
@@ -5413,7 +5413,7 @@
                     <a:lstStyle/>
                     <a:p>
                       <a:r>
-                        <a:rPr lang="en-US" sz="1500" dirty="0">
+                        <a:rPr lang="en-US" sz="1500">
                           <a:solidFill>
                             <a:schemeClr val="accent6">
                               <a:lumMod val="75000"/>
@@ -5432,7 +5432,7 @@
                     <a:lstStyle/>
                     <a:p>
                       <a:r>
-                        <a:rPr lang="en-US" sz="1500" dirty="0"/>
+                        <a:rPr lang="en-US" sz="1500"/>
                         <a:t>-1167.48954551</a:t>
                       </a:r>
                     </a:p>
@@ -5445,7 +5445,7 @@
                     <a:lstStyle/>
                     <a:p>
                       <a:r>
-                        <a:rPr lang="en-US" sz="1500" dirty="0"/>
+                        <a:rPr lang="en-US" sz="1500"/>
                         <a:t>-311.019473484</a:t>
                       </a:r>
                     </a:p>
@@ -5458,7 +5458,7 @@
                     <a:lstStyle/>
                     <a:p>
                       <a:r>
-                        <a:rPr lang="en-US" sz="1500" dirty="0">
+                        <a:rPr lang="en-US" sz="1500">
                           <a:solidFill>
                             <a:schemeClr val="accent1"/>
                           </a:solidFill>
@@ -5640,20 +5640,20 @@
                         <a:buNone/>
                       </a:pPr>
                       <a:r>
-                        <a:rPr lang="en-US" sz="1400" dirty="0">
+                        <a:rPr lang="en-US" sz="1400">
                           <a:latin typeface="Yu Gothic" panose="020B0400000000000000" pitchFamily="34" charset="-128"/>
                           <a:ea typeface="Yu Gothic" panose="020B0400000000000000" pitchFamily="34" charset="-128"/>
                         </a:rPr>
                         <a:t>B. </a:t>
                       </a:r>
                       <a:r>
-                        <a:rPr lang="en-US" sz="1400" dirty="0" err="1">
+                        <a:rPr lang="en-US" sz="1400" err="1">
                           <a:latin typeface="Yu Gothic" panose="020B0400000000000000" pitchFamily="34" charset="-128"/>
                           <a:ea typeface="Yu Gothic" panose="020B0400000000000000" pitchFamily="34" charset="-128"/>
                         </a:rPr>
                         <a:t>massiliensis</a:t>
                       </a:r>
-                      <a:endParaRPr lang="en-US" sz="1400" dirty="0">
+                      <a:endParaRPr lang="en-US" sz="1400">
                         <a:latin typeface="Yu Gothic" panose="020B0400000000000000" pitchFamily="34" charset="-128"/>
                         <a:ea typeface="Yu Gothic" panose="020B0400000000000000" pitchFamily="34" charset="-128"/>
                       </a:endParaRPr>
@@ -5670,20 +5670,20 @@
                         <a:buNone/>
                       </a:pPr>
                       <a:r>
-                        <a:rPr lang="en-US" sz="1400" dirty="0">
+                        <a:rPr lang="en-US" sz="1400">
                           <a:latin typeface="Yu Gothic" panose="020B0400000000000000" pitchFamily="34" charset="-128"/>
                           <a:ea typeface="Yu Gothic" panose="020B0400000000000000" pitchFamily="34" charset="-128"/>
                         </a:rPr>
                         <a:t>B. </a:t>
                       </a:r>
                       <a:r>
-                        <a:rPr lang="en-US" sz="1400" dirty="0" err="1">
+                        <a:rPr lang="en-US" sz="1400" err="1">
                           <a:latin typeface="Yu Gothic" panose="020B0400000000000000" pitchFamily="34" charset="-128"/>
                           <a:ea typeface="Yu Gothic" panose="020B0400000000000000" pitchFamily="34" charset="-128"/>
                         </a:rPr>
                         <a:t>ovatus</a:t>
                       </a:r>
-                      <a:endParaRPr lang="en-US" sz="1400" dirty="0">
+                      <a:endParaRPr lang="en-US" sz="1400">
                         <a:latin typeface="Yu Gothic" panose="020B0400000000000000" pitchFamily="34" charset="-128"/>
                         <a:ea typeface="Yu Gothic" panose="020B0400000000000000" pitchFamily="34" charset="-128"/>
                       </a:endParaRPr>
@@ -5714,20 +5714,20 @@
                         <a:defRPr/>
                       </a:pPr>
                       <a:r>
-                        <a:rPr lang="en-US" sz="1400" dirty="0">
+                        <a:rPr lang="en-US" sz="1400">
                           <a:latin typeface="Yu Gothic" panose="020B0400000000000000" pitchFamily="34" charset="-128"/>
                           <a:ea typeface="Yu Gothic" panose="020B0400000000000000" pitchFamily="34" charset="-128"/>
                         </a:rPr>
                         <a:t>B. </a:t>
                       </a:r>
                       <a:r>
-                        <a:rPr lang="en-US" sz="1400" dirty="0" err="1">
+                        <a:rPr lang="en-US" sz="1400" err="1">
                           <a:latin typeface="Yu Gothic" panose="020B0400000000000000" pitchFamily="34" charset="-128"/>
                           <a:ea typeface="Yu Gothic" panose="020B0400000000000000" pitchFamily="34" charset="-128"/>
                         </a:rPr>
                         <a:t>stercoris</a:t>
                       </a:r>
-                      <a:endParaRPr lang="en-US" sz="1400" dirty="0">
+                      <a:endParaRPr lang="en-US" sz="1400">
                         <a:latin typeface="Yu Gothic" panose="020B0400000000000000" pitchFamily="34" charset="-128"/>
                         <a:ea typeface="Yu Gothic" panose="020B0400000000000000" pitchFamily="34" charset="-128"/>
                       </a:endParaRPr>
@@ -5758,7 +5758,7 @@
                         <a:defRPr/>
                       </a:pPr>
                       <a:r>
-                        <a:rPr lang="en-US" sz="1400" dirty="0">
+                        <a:rPr lang="en-US" sz="1400">
                           <a:solidFill>
                             <a:schemeClr val="accent1"/>
                           </a:solidFill>
@@ -5768,7 +5768,7 @@
                         <a:t>B. </a:t>
                       </a:r>
                       <a:r>
-                        <a:rPr lang="en-US" sz="1400" dirty="0" err="1">
+                        <a:rPr lang="en-US" sz="1400" err="1">
                           <a:solidFill>
                             <a:schemeClr val="accent1"/>
                           </a:solidFill>
@@ -5777,7 +5777,7 @@
                         </a:rPr>
                         <a:t>thetaiotamicron</a:t>
                       </a:r>
-                      <a:endParaRPr lang="en-US" sz="1400" dirty="0">
+                      <a:endParaRPr lang="en-US" sz="1400">
                         <a:solidFill>
                           <a:schemeClr val="accent1"/>
                         </a:solidFill>
@@ -5797,7 +5797,7 @@
                         <a:buNone/>
                       </a:pPr>
                       <a:r>
-                        <a:rPr lang="en-US" sz="1400" dirty="0">
+                        <a:rPr lang="en-US" sz="1400">
                           <a:solidFill>
                             <a:schemeClr val="bg1"/>
                           </a:solidFill>
@@ -5807,7 +5807,7 @@
                         <a:t>B. </a:t>
                       </a:r>
                       <a:r>
-                        <a:rPr lang="en-US" sz="1400" dirty="0" err="1">
+                        <a:rPr lang="en-US" sz="1400" err="1">
                           <a:solidFill>
                             <a:schemeClr val="bg1"/>
                           </a:solidFill>
@@ -5816,7 +5816,7 @@
                         </a:rPr>
                         <a:t>uniformis</a:t>
                       </a:r>
-                      <a:endParaRPr lang="en-US" sz="1400" dirty="0">
+                      <a:endParaRPr lang="en-US" sz="1400">
                         <a:solidFill>
                           <a:schemeClr val="bg1"/>
                         </a:solidFill>
@@ -5840,7 +5840,7 @@
                     <a:lstStyle/>
                     <a:p>
                       <a:r>
-                        <a:rPr lang="en-US" sz="1400" dirty="0">
+                        <a:rPr lang="en-US" sz="1400">
                           <a:latin typeface="Yu Gothic" panose="020B0400000000000000" pitchFamily="34" charset="-128"/>
                           <a:ea typeface="Yu Gothic" panose="020B0400000000000000" pitchFamily="34" charset="-128"/>
                         </a:rPr>
@@ -5856,7 +5856,7 @@
                     <a:lstStyle/>
                     <a:p>
                       <a:r>
-                        <a:rPr lang="en-US" sz="1400" dirty="0">
+                        <a:rPr lang="en-US" sz="1400">
                           <a:latin typeface="Yu Gothic" panose="020B0400000000000000" pitchFamily="34" charset="-128"/>
                           <a:ea typeface="Yu Gothic" panose="020B0400000000000000" pitchFamily="34" charset="-128"/>
                         </a:rPr>
@@ -5872,7 +5872,7 @@
                     <a:lstStyle/>
                     <a:p>
                       <a:r>
-                        <a:rPr lang="en-US" sz="1400" dirty="0">
+                        <a:rPr lang="en-US" sz="1400">
                           <a:solidFill>
                             <a:schemeClr val="tx1"/>
                           </a:solidFill>
@@ -5891,7 +5891,7 @@
                     <a:lstStyle/>
                     <a:p>
                       <a:r>
-                        <a:rPr lang="en-US" sz="1400" dirty="0">
+                        <a:rPr lang="en-US" sz="1400">
                           <a:latin typeface="Yu Gothic" panose="020B0400000000000000" pitchFamily="34" charset="-128"/>
                           <a:ea typeface="Yu Gothic" panose="020B0400000000000000" pitchFamily="34" charset="-128"/>
                         </a:rPr>
@@ -5907,7 +5907,7 @@
                     <a:lstStyle/>
                     <a:p>
                       <a:r>
-                        <a:rPr lang="en-US" sz="1400" dirty="0">
+                        <a:rPr lang="en-US" sz="1400">
                           <a:solidFill>
                             <a:schemeClr val="accent1"/>
                           </a:solidFill>
@@ -5926,7 +5926,7 @@
                     <a:lstStyle/>
                     <a:p>
                       <a:r>
-                        <a:rPr lang="en-US" sz="1400" dirty="0">
+                        <a:rPr lang="en-US" sz="1400">
                           <a:solidFill>
                             <a:schemeClr val="tx1"/>
                           </a:solidFill>
@@ -5968,7 +5968,7 @@
                     <a:lstStyle/>
                     <a:p>
                       <a:r>
-                        <a:rPr lang="en-US" sz="1400" dirty="0">
+                        <a:rPr lang="en-US" sz="1400">
                           <a:latin typeface="Yu Gothic" panose="020B0400000000000000" pitchFamily="34" charset="-128"/>
                           <a:ea typeface="Yu Gothic" panose="020B0400000000000000" pitchFamily="34" charset="-128"/>
                         </a:rPr>
@@ -5984,7 +5984,7 @@
                     <a:lstStyle/>
                     <a:p>
                       <a:r>
-                        <a:rPr lang="en-US" sz="1400" dirty="0">
+                        <a:rPr lang="en-US" sz="1400">
                           <a:solidFill>
                             <a:schemeClr val="tx1"/>
                           </a:solidFill>
@@ -6003,7 +6003,7 @@
                     <a:lstStyle/>
                     <a:p>
                       <a:r>
-                        <a:rPr lang="en-US" sz="1400" dirty="0">
+                        <a:rPr lang="en-US" sz="1400">
                           <a:latin typeface="Yu Gothic" panose="020B0400000000000000" pitchFamily="34" charset="-128"/>
                           <a:ea typeface="Yu Gothic" panose="020B0400000000000000" pitchFamily="34" charset="-128"/>
                         </a:rPr>
@@ -6019,7 +6019,7 @@
                     <a:lstStyle/>
                     <a:p>
                       <a:r>
-                        <a:rPr lang="en-US" sz="1400" dirty="0">
+                        <a:rPr lang="en-US" sz="1400">
                           <a:solidFill>
                             <a:schemeClr val="accent1"/>
                           </a:solidFill>
@@ -6038,7 +6038,7 @@
                     <a:lstStyle/>
                     <a:p>
                       <a:r>
-                        <a:rPr lang="en-US" sz="1400" dirty="0">
+                        <a:rPr lang="en-US" sz="1400">
                           <a:solidFill>
                             <a:schemeClr val="tx1"/>
                           </a:solidFill>
@@ -6158,20 +6158,20 @@
                         <a:buNone/>
                       </a:pPr>
                       <a:r>
-                        <a:rPr lang="en-US" sz="1400" dirty="0">
+                        <a:rPr lang="en-US" sz="1400">
                           <a:latin typeface="Yu Gothic" panose="020B0400000000000000" pitchFamily="34" charset="-128"/>
                           <a:ea typeface="Yu Gothic" panose="020B0400000000000000" pitchFamily="34" charset="-128"/>
                         </a:rPr>
                         <a:t>B. </a:t>
                       </a:r>
                       <a:r>
-                        <a:rPr lang="en-US" sz="1400" dirty="0" err="1">
+                        <a:rPr lang="en-US" sz="1400" err="1">
                           <a:latin typeface="Yu Gothic" panose="020B0400000000000000" pitchFamily="34" charset="-128"/>
                           <a:ea typeface="Yu Gothic" panose="020B0400000000000000" pitchFamily="34" charset="-128"/>
                         </a:rPr>
                         <a:t>vulgatus</a:t>
                       </a:r>
-                      <a:endParaRPr lang="en-US" sz="1400" dirty="0">
+                      <a:endParaRPr lang="en-US" sz="1400">
                         <a:latin typeface="Yu Gothic" panose="020B0400000000000000" pitchFamily="34" charset="-128"/>
                         <a:ea typeface="Yu Gothic" panose="020B0400000000000000" pitchFamily="34" charset="-128"/>
                       </a:endParaRPr>
@@ -6188,14 +6188,14 @@
                         <a:buNone/>
                       </a:pPr>
                       <a:r>
-                        <a:rPr lang="en-US" sz="1500" dirty="0"/>
+                        <a:rPr lang="en-US" sz="1500"/>
                         <a:t>B. </a:t>
                       </a:r>
                       <a:r>
-                        <a:rPr lang="en-US" sz="1500" dirty="0" err="1"/>
+                        <a:rPr lang="en-US" sz="1500" err="1"/>
                         <a:t>xylanisolvens</a:t>
                       </a:r>
-                      <a:endParaRPr lang="en-US" sz="1500" dirty="0"/>
+                      <a:endParaRPr lang="en-US" sz="1500"/>
                     </a:p>
                   </a:txBody>
                   <a:tcPr/>
@@ -6209,32 +6209,32 @@
                         <a:buNone/>
                       </a:pPr>
                       <a:r>
-                        <a:rPr lang="en-US" sz="1500" dirty="0"/>
+                        <a:rPr lang="en-US" sz="1500"/>
                         <a:t>D. </a:t>
                       </a:r>
                       <a:r>
-                        <a:rPr lang="en-US" sz="1500" dirty="0" err="1"/>
+                        <a:rPr lang="en-US" sz="1500" err="1"/>
                         <a:t>invisus</a:t>
                       </a:r>
-                      <a:endParaRPr lang="en-US" sz="1500" dirty="0"/>
-                    </a:p>
-                  </a:txBody>
-                  <a:tcPr/>
-                </a:tc>
-                <a:tc>
-                  <a:txBody>
-                    <a:bodyPr/>
-                    <a:lstStyle/>
-                    <a:p>
-                      <a:r>
-                        <a:rPr lang="en-US" sz="1500" dirty="0"/>
+                      <a:endParaRPr lang="en-US" sz="1500"/>
+                    </a:p>
+                  </a:txBody>
+                  <a:tcPr/>
+                </a:tc>
+                <a:tc>
+                  <a:txBody>
+                    <a:bodyPr/>
+                    <a:lstStyle/>
+                    <a:p>
+                      <a:r>
+                        <a:rPr lang="en-US" sz="1500"/>
                         <a:t>E. </a:t>
                       </a:r>
                       <a:r>
-                        <a:rPr lang="en-US" sz="1500" dirty="0" err="1"/>
+                        <a:rPr lang="en-US" sz="1500" err="1"/>
                         <a:t>eligens</a:t>
                       </a:r>
-                      <a:endParaRPr lang="en-US" sz="1500" dirty="0"/>
+                      <a:endParaRPr lang="en-US" sz="1500"/>
                     </a:p>
                   </a:txBody>
                   <a:tcPr/>
@@ -6248,20 +6248,20 @@
                         <a:buNone/>
                       </a:pPr>
                       <a:r>
-                        <a:rPr lang="en-US" sz="1400" dirty="0">
+                        <a:rPr lang="en-US" sz="1400">
                           <a:latin typeface="Yu Gothic" panose="020B0400000000000000" pitchFamily="34" charset="-128"/>
                           <a:ea typeface="Yu Gothic" panose="020B0400000000000000" pitchFamily="34" charset="-128"/>
                         </a:rPr>
                         <a:t>E. </a:t>
                       </a:r>
                       <a:r>
-                        <a:rPr lang="en-US" sz="1400" dirty="0" err="1">
+                        <a:rPr lang="en-US" sz="1400" err="1">
                           <a:latin typeface="Yu Gothic" panose="020B0400000000000000" pitchFamily="34" charset="-128"/>
                           <a:ea typeface="Yu Gothic" panose="020B0400000000000000" pitchFamily="34" charset="-128"/>
                         </a:rPr>
                         <a:t>rectale</a:t>
                       </a:r>
-                      <a:endParaRPr lang="en-US" sz="1400" dirty="0">
+                      <a:endParaRPr lang="en-US" sz="1400">
                         <a:latin typeface="Yu Gothic" panose="020B0400000000000000" pitchFamily="34" charset="-128"/>
                         <a:ea typeface="Yu Gothic" panose="020B0400000000000000" pitchFamily="34" charset="-128"/>
                       </a:endParaRPr>
@@ -6282,7 +6282,7 @@
                     <a:lstStyle/>
                     <a:p>
                       <a:r>
-                        <a:rPr lang="en-US" sz="1500" dirty="0"/>
+                        <a:rPr lang="en-US" sz="1500"/>
                         <a:t>Multiple Epochs</a:t>
                       </a:r>
                     </a:p>
@@ -6295,7 +6295,7 @@
                     <a:lstStyle/>
                     <a:p>
                       <a:r>
-                        <a:rPr lang="en-US" sz="1400" dirty="0">
+                        <a:rPr lang="en-US" sz="1400">
                           <a:latin typeface="Yu Gothic" panose="020B0400000000000000" pitchFamily="34" charset="-128"/>
                           <a:ea typeface="Yu Gothic" panose="020B0400000000000000" pitchFamily="34" charset="-128"/>
                         </a:rPr>
@@ -6311,7 +6311,7 @@
                     <a:lstStyle/>
                     <a:p>
                       <a:r>
-                        <a:rPr lang="en-US" sz="1500" dirty="0"/>
+                        <a:rPr lang="en-US" sz="1500"/>
                         <a:t>-166.0628826</a:t>
                       </a:r>
                     </a:p>
@@ -6324,7 +6324,7 @@
                     <a:lstStyle/>
                     <a:p>
                       <a:r>
-                        <a:rPr lang="en-US" sz="1500" dirty="0"/>
+                        <a:rPr lang="en-US" sz="1500"/>
                         <a:t>-140.340722705</a:t>
                       </a:r>
                     </a:p>
@@ -6337,7 +6337,7 @@
                     <a:lstStyle/>
                     <a:p>
                       <a:r>
-                        <a:rPr lang="en-US" sz="1500" dirty="0"/>
+                        <a:rPr lang="en-US" sz="1500"/>
                         <a:t>-226.737990541</a:t>
                       </a:r>
                     </a:p>
@@ -6350,7 +6350,7 @@
                     <a:lstStyle/>
                     <a:p>
                       <a:r>
-                        <a:rPr lang="en-US" sz="1400" dirty="0">
+                        <a:rPr lang="en-US" sz="1400">
                           <a:latin typeface="Yu Gothic" panose="020B0400000000000000" pitchFamily="34" charset="-128"/>
                           <a:ea typeface="Yu Gothic" panose="020B0400000000000000" pitchFamily="34" charset="-128"/>
                         </a:rPr>
@@ -6386,7 +6386,7 @@
                     <a:lstStyle/>
                     <a:p>
                       <a:r>
-                        <a:rPr lang="en-US" sz="1400" dirty="0">
+                        <a:rPr lang="en-US" sz="1400">
                           <a:latin typeface="Yu Gothic" panose="020B0400000000000000" pitchFamily="34" charset="-128"/>
                           <a:ea typeface="Yu Gothic" panose="020B0400000000000000" pitchFamily="34" charset="-128"/>
                         </a:rPr>
@@ -6402,7 +6402,7 @@
                     <a:lstStyle/>
                     <a:p>
                       <a:r>
-                        <a:rPr lang="en-US" sz="1500" dirty="0"/>
+                        <a:rPr lang="en-US" sz="1500"/>
                         <a:t>-166.062883792</a:t>
                       </a:r>
                     </a:p>
@@ -6415,7 +6415,7 @@
                     <a:lstStyle/>
                     <a:p>
                       <a:r>
-                        <a:rPr lang="en-US" sz="1500" dirty="0"/>
+                        <a:rPr lang="en-US" sz="1500"/>
                         <a:t>-140.340721113</a:t>
                       </a:r>
                     </a:p>
@@ -6428,7 +6428,7 @@
                     <a:lstStyle/>
                     <a:p>
                       <a:r>
-                        <a:rPr lang="en-US" sz="1500" dirty="0"/>
+                        <a:rPr lang="en-US" sz="1500"/>
                         <a:t>-226.737989406</a:t>
                       </a:r>
                     </a:p>
@@ -6441,7 +6441,7 @@
                     <a:lstStyle/>
                     <a:p>
                       <a:r>
-                        <a:rPr lang="en-US" sz="1400" dirty="0">
+                        <a:rPr lang="en-US" sz="1400">
                           <a:latin typeface="Yu Gothic" panose="020B0400000000000000" pitchFamily="34" charset="-128"/>
                           <a:ea typeface="Yu Gothic" panose="020B0400000000000000" pitchFamily="34" charset="-128"/>
                         </a:rPr>
@@ -6622,20 +6622,20 @@
                         <a:buNone/>
                       </a:pPr>
                       <a:r>
-                        <a:rPr lang="en-US" sz="1400" dirty="0">
+                        <a:rPr lang="en-US" sz="1400">
                           <a:latin typeface="Yu Gothic" panose="020B0400000000000000" pitchFamily="34" charset="-128"/>
                           <a:ea typeface="Yu Gothic" panose="020B0400000000000000" pitchFamily="34" charset="-128"/>
                         </a:rPr>
                         <a:t>F. </a:t>
                       </a:r>
                       <a:r>
-                        <a:rPr lang="en-US" sz="1400" dirty="0" err="1">
+                        <a:rPr lang="en-US" sz="1400" err="1">
                           <a:latin typeface="Yu Gothic" panose="020B0400000000000000" pitchFamily="34" charset="-128"/>
                           <a:ea typeface="Yu Gothic" panose="020B0400000000000000" pitchFamily="34" charset="-128"/>
                         </a:rPr>
                         <a:t>prausnitzii</a:t>
                       </a:r>
-                      <a:endParaRPr lang="en-US" sz="1400" dirty="0">
+                      <a:endParaRPr lang="en-US" sz="1400">
                         <a:latin typeface="Yu Gothic" panose="020B0400000000000000" pitchFamily="34" charset="-128"/>
                         <a:ea typeface="Yu Gothic" panose="020B0400000000000000" pitchFamily="34" charset="-128"/>
                       </a:endParaRPr>
@@ -6652,7 +6652,7 @@
                         <a:buNone/>
                       </a:pPr>
                       <a:r>
-                        <a:rPr lang="en-US" sz="1400" dirty="0">
+                        <a:rPr lang="en-US" sz="1400">
                           <a:solidFill>
                             <a:schemeClr val="bg1"/>
                           </a:solidFill>
@@ -6662,7 +6662,7 @@
                         <a:t>O. </a:t>
                       </a:r>
                       <a:r>
-                        <a:rPr lang="en-US" sz="1400" dirty="0" err="1">
+                        <a:rPr lang="en-US" sz="1400" err="1">
                           <a:solidFill>
                             <a:schemeClr val="bg1"/>
                           </a:solidFill>
@@ -6671,7 +6671,7 @@
                         </a:rPr>
                         <a:t>sp</a:t>
                       </a:r>
-                      <a:endParaRPr lang="en-US" sz="1400" dirty="0">
+                      <a:endParaRPr lang="en-US" sz="1400">
                         <a:solidFill>
                           <a:schemeClr val="bg1"/>
                         </a:solidFill>
@@ -6705,7 +6705,7 @@
                         <a:defRPr/>
                       </a:pPr>
                       <a:r>
-                        <a:rPr lang="en-US" sz="1400" dirty="0">
+                        <a:rPr lang="en-US" sz="1400">
                           <a:solidFill>
                             <a:schemeClr val="bg1"/>
                           </a:solidFill>
@@ -6715,7 +6715,7 @@
                         <a:t>P. </a:t>
                       </a:r>
                       <a:r>
-                        <a:rPr lang="en-US" sz="1400" dirty="0" err="1">
+                        <a:rPr lang="en-US" sz="1400" err="1">
                           <a:solidFill>
                             <a:schemeClr val="bg1"/>
                           </a:solidFill>
@@ -6724,7 +6724,7 @@
                         </a:rPr>
                         <a:t>copri</a:t>
                       </a:r>
-                      <a:endParaRPr lang="en-US" sz="1400" dirty="0">
+                      <a:endParaRPr lang="en-US" sz="1400">
                         <a:solidFill>
                           <a:schemeClr val="bg1"/>
                         </a:solidFill>
@@ -6744,7 +6744,7 @@
                         <a:buNone/>
                       </a:pPr>
                       <a:r>
-                        <a:rPr lang="en-US" sz="1400" dirty="0">
+                        <a:rPr lang="en-US" sz="1400">
                           <a:solidFill>
                             <a:schemeClr val="accent1"/>
                           </a:solidFill>
@@ -6754,7 +6754,7 @@
                         <a:t>P. </a:t>
                       </a:r>
                       <a:r>
-                        <a:rPr lang="en-US" sz="1400" dirty="0" err="1">
+                        <a:rPr lang="en-US" sz="1400" err="1">
                           <a:solidFill>
                             <a:schemeClr val="accent1"/>
                           </a:solidFill>
@@ -6763,7 +6763,7 @@
                         </a:rPr>
                         <a:t>distasonis</a:t>
                       </a:r>
-                      <a:endParaRPr lang="en-US" sz="1400" dirty="0">
+                      <a:endParaRPr lang="en-US" sz="1400">
                         <a:solidFill>
                           <a:schemeClr val="accent1"/>
                         </a:solidFill>
@@ -6797,7 +6797,7 @@
                         <a:defRPr/>
                       </a:pPr>
                       <a:r>
-                        <a:rPr lang="en-US" sz="1400" dirty="0">
+                        <a:rPr lang="en-US" sz="1400">
                           <a:solidFill>
                             <a:schemeClr val="accent1"/>
                           </a:solidFill>
@@ -6807,7 +6807,7 @@
                         <a:t>P. </a:t>
                       </a:r>
                       <a:r>
-                        <a:rPr lang="en-US" sz="1400" dirty="0" err="1">
+                        <a:rPr lang="en-US" sz="1400" err="1">
                           <a:solidFill>
                             <a:schemeClr val="accent1"/>
                           </a:solidFill>
@@ -6816,7 +6816,7 @@
                         </a:rPr>
                         <a:t>merdae</a:t>
                       </a:r>
-                      <a:endParaRPr lang="en-US" sz="1400" dirty="0">
+                      <a:endParaRPr lang="en-US" sz="1400">
                         <a:solidFill>
                           <a:schemeClr val="accent1"/>
                         </a:solidFill>
@@ -6840,7 +6840,7 @@
                     <a:lstStyle/>
                     <a:p>
                       <a:r>
-                        <a:rPr lang="en-US" sz="1400" dirty="0">
+                        <a:rPr lang="en-US" sz="1400">
                           <a:latin typeface="Yu Gothic" panose="020B0400000000000000" pitchFamily="34" charset="-128"/>
                           <a:ea typeface="Yu Gothic" panose="020B0400000000000000" pitchFamily="34" charset="-128"/>
                         </a:rPr>
@@ -6856,7 +6856,7 @@
                     <a:lstStyle/>
                     <a:p>
                       <a:r>
-                        <a:rPr lang="en-US" sz="1400" dirty="0">
+                        <a:rPr lang="en-US" sz="1400">
                           <a:latin typeface="Yu Gothic" panose="020B0400000000000000" pitchFamily="34" charset="-128"/>
                           <a:ea typeface="Yu Gothic" panose="020B0400000000000000" pitchFamily="34" charset="-128"/>
                         </a:rPr>
@@ -6872,7 +6872,7 @@
                     <a:lstStyle/>
                     <a:p>
                       <a:r>
-                        <a:rPr lang="en-US" sz="1400" dirty="0">
+                        <a:rPr lang="en-US" sz="1400">
                           <a:solidFill>
                             <a:schemeClr val="tx1"/>
                           </a:solidFill>
@@ -6891,7 +6891,7 @@
                     <a:lstStyle/>
                     <a:p>
                       <a:r>
-                        <a:rPr lang="en-US" sz="1400" dirty="0">
+                        <a:rPr lang="en-US" sz="1400">
                           <a:solidFill>
                             <a:schemeClr val="tx1"/>
                           </a:solidFill>
@@ -6910,7 +6910,7 @@
                     <a:lstStyle/>
                     <a:p>
                       <a:r>
-                        <a:rPr lang="en-US" sz="1400" dirty="0">
+                        <a:rPr lang="en-US" sz="1400">
                           <a:solidFill>
                             <a:schemeClr val="accent1"/>
                           </a:solidFill>
@@ -6929,7 +6929,7 @@
                     <a:lstStyle/>
                     <a:p>
                       <a:r>
-                        <a:rPr lang="en-US" sz="1400" dirty="0">
+                        <a:rPr lang="en-US" sz="1400">
                           <a:solidFill>
                             <a:schemeClr val="accent1"/>
                           </a:solidFill>
@@ -6971,7 +6971,7 @@
                     <a:lstStyle/>
                     <a:p>
                       <a:r>
-                        <a:rPr lang="en-US" sz="1400" dirty="0">
+                        <a:rPr lang="en-US" sz="1400">
                           <a:latin typeface="Yu Gothic" panose="020B0400000000000000" pitchFamily="34" charset="-128"/>
                           <a:ea typeface="Yu Gothic" panose="020B0400000000000000" pitchFamily="34" charset="-128"/>
                         </a:rPr>
@@ -6987,7 +6987,7 @@
                     <a:lstStyle/>
                     <a:p>
                       <a:r>
-                        <a:rPr lang="en-US" sz="1400" dirty="0">
+                        <a:rPr lang="en-US" sz="1400">
                           <a:solidFill>
                             <a:schemeClr val="tx1"/>
                           </a:solidFill>
@@ -7006,7 +7006,7 @@
                     <a:lstStyle/>
                     <a:p>
                       <a:r>
-                        <a:rPr lang="en-US" sz="1400" dirty="0">
+                        <a:rPr lang="en-US" sz="1400">
                           <a:solidFill>
                             <a:schemeClr val="tx1"/>
                           </a:solidFill>
@@ -7025,7 +7025,7 @@
                     <a:lstStyle/>
                     <a:p>
                       <a:r>
-                        <a:rPr lang="en-US" sz="1400" dirty="0">
+                        <a:rPr lang="en-US" sz="1400">
                           <a:solidFill>
                             <a:schemeClr val="accent1"/>
                           </a:solidFill>
@@ -7044,7 +7044,7 @@
                     <a:lstStyle/>
                     <a:p>
                       <a:r>
-                        <a:rPr lang="en-US" sz="1400" dirty="0">
+                        <a:rPr lang="en-US" sz="1400">
                           <a:solidFill>
                             <a:schemeClr val="accent1"/>
                           </a:solidFill>
@@ -7164,7 +7164,7 @@
                         <a:buNone/>
                       </a:pPr>
                       <a:r>
-                        <a:rPr lang="en-US" sz="1500" dirty="0">
+                        <a:rPr lang="en-US" sz="1500">
                           <a:solidFill>
                             <a:schemeClr val="accent1"/>
                           </a:solidFill>
@@ -7172,14 +7172,14 @@
                         <a:t>P. </a:t>
                       </a:r>
                       <a:r>
-                        <a:rPr lang="en-US" sz="1500" dirty="0" err="1">
+                        <a:rPr lang="en-US" sz="1500" err="1">
                           <a:solidFill>
                             <a:schemeClr val="accent1"/>
                           </a:solidFill>
                         </a:rPr>
                         <a:t>sp</a:t>
                       </a:r>
-                      <a:endParaRPr lang="en-US" sz="1500" dirty="0">
+                      <a:endParaRPr lang="en-US" sz="1500">
                         <a:solidFill>
                           <a:schemeClr val="accent1"/>
                         </a:solidFill>
@@ -7197,14 +7197,14 @@
                         <a:buNone/>
                       </a:pPr>
                       <a:r>
-                        <a:rPr lang="en-US" sz="1500" dirty="0"/>
+                        <a:rPr lang="en-US" sz="1500"/>
                         <a:t>R. </a:t>
                       </a:r>
                       <a:r>
-                        <a:rPr lang="en-US" sz="1500" dirty="0" err="1"/>
+                        <a:rPr lang="en-US" sz="1500" err="1"/>
                         <a:t>bromii</a:t>
                       </a:r>
-                      <a:endParaRPr lang="en-US" sz="1500" dirty="0"/>
+                      <a:endParaRPr lang="en-US" sz="1500"/>
                     </a:p>
                   </a:txBody>
                   <a:tcPr/>
@@ -7217,7 +7217,7 @@
                       <a:pPr marL="0" indent="0">
                         <a:buNone/>
                       </a:pPr>
-                      <a:endParaRPr lang="en-US" sz="1500" dirty="0"/>
+                      <a:endParaRPr lang="en-US" sz="1500"/>
                     </a:p>
                   </a:txBody>
                   <a:tcPr/>
@@ -7230,17 +7230,17 @@
                       <a:pPr marL="0" indent="0">
                         <a:buNone/>
                       </a:pPr>
-                      <a:endParaRPr lang="en-US" sz="1500" dirty="0"/>
-                    </a:p>
-                  </a:txBody>
-                  <a:tcPr/>
-                </a:tc>
-                <a:tc>
-                  <a:txBody>
-                    <a:bodyPr/>
-                    <a:lstStyle/>
-                    <a:p>
-                      <a:endParaRPr lang="en-US" sz="1500" dirty="0"/>
+                      <a:endParaRPr lang="en-US" sz="1500"/>
+                    </a:p>
+                  </a:txBody>
+                  <a:tcPr/>
+                </a:tc>
+                <a:tc>
+                  <a:txBody>
+                    <a:bodyPr/>
+                    <a:lstStyle/>
+                    <a:p>
+                      <a:endParaRPr lang="en-US" sz="1500"/>
                     </a:p>
                   </a:txBody>
                   <a:tcPr/>
@@ -7258,7 +7258,7 @@
                     <a:lstStyle/>
                     <a:p>
                       <a:r>
-                        <a:rPr lang="en-US" sz="1500" dirty="0"/>
+                        <a:rPr lang="en-US" sz="1500"/>
                         <a:t>Multiple Epochs</a:t>
                       </a:r>
                     </a:p>
@@ -7271,7 +7271,7 @@
                     <a:lstStyle/>
                     <a:p>
                       <a:r>
-                        <a:rPr lang="en-US" sz="1500" dirty="0">
+                        <a:rPr lang="en-US" sz="1500">
                           <a:solidFill>
                             <a:schemeClr val="accent1"/>
                           </a:solidFill>
@@ -7288,7 +7288,7 @@
                     <a:lstStyle/>
                     <a:p>
                       <a:r>
-                        <a:rPr lang="en-US" sz="1500" dirty="0"/>
+                        <a:rPr lang="en-US" sz="1500"/>
                         <a:t>-569.361933978</a:t>
                       </a:r>
                     </a:p>
@@ -7300,27 +7300,27 @@
                     <a:bodyPr/>
                     <a:lstStyle/>
                     <a:p>
-                      <a:endParaRPr lang="en-US" sz="1500" dirty="0"/>
-                    </a:p>
-                  </a:txBody>
-                  <a:tcPr/>
-                </a:tc>
-                <a:tc>
-                  <a:txBody>
-                    <a:bodyPr/>
-                    <a:lstStyle/>
-                    <a:p>
-                      <a:endParaRPr lang="en-US" sz="1500" dirty="0"/>
-                    </a:p>
-                  </a:txBody>
-                  <a:tcPr/>
-                </a:tc>
-                <a:tc>
-                  <a:txBody>
-                    <a:bodyPr/>
-                    <a:lstStyle/>
-                    <a:p>
-                      <a:endParaRPr lang="en-US" sz="1500" dirty="0"/>
+                      <a:endParaRPr lang="en-US" sz="1500"/>
+                    </a:p>
+                  </a:txBody>
+                  <a:tcPr/>
+                </a:tc>
+                <a:tc>
+                  <a:txBody>
+                    <a:bodyPr/>
+                    <a:lstStyle/>
+                    <a:p>
+                      <a:endParaRPr lang="en-US" sz="1500"/>
+                    </a:p>
+                  </a:txBody>
+                  <a:tcPr/>
+                </a:tc>
+                <a:tc>
+                  <a:txBody>
+                    <a:bodyPr/>
+                    <a:lstStyle/>
+                    <a:p>
+                      <a:endParaRPr lang="en-US" sz="1500"/>
                     </a:p>
                   </a:txBody>
                   <a:tcPr/>
@@ -7351,7 +7351,7 @@
                     <a:lstStyle/>
                     <a:p>
                       <a:r>
-                        <a:rPr lang="en-US" sz="1500" dirty="0">
+                        <a:rPr lang="en-US" sz="1500">
                           <a:solidFill>
                             <a:schemeClr val="accent1"/>
                           </a:solidFill>
@@ -7368,7 +7368,7 @@
                     <a:lstStyle/>
                     <a:p>
                       <a:r>
-                        <a:rPr lang="en-US" sz="1500" dirty="0"/>
+                        <a:rPr lang="en-US" sz="1500"/>
                         <a:t>-569.361932584</a:t>
                       </a:r>
                     </a:p>
@@ -7380,27 +7380,27 @@
                     <a:bodyPr/>
                     <a:lstStyle/>
                     <a:p>
-                      <a:endParaRPr lang="en-US" sz="1500" dirty="0"/>
-                    </a:p>
-                  </a:txBody>
-                  <a:tcPr/>
-                </a:tc>
-                <a:tc>
-                  <a:txBody>
-                    <a:bodyPr/>
-                    <a:lstStyle/>
-                    <a:p>
-                      <a:endParaRPr lang="en-US" sz="1500" dirty="0"/>
-                    </a:p>
-                  </a:txBody>
-                  <a:tcPr/>
-                </a:tc>
-                <a:tc>
-                  <a:txBody>
-                    <a:bodyPr/>
-                    <a:lstStyle/>
-                    <a:p>
-                      <a:endParaRPr lang="en-US" sz="1500" dirty="0"/>
+                      <a:endParaRPr lang="en-US" sz="1500"/>
+                    </a:p>
+                  </a:txBody>
+                  <a:tcPr/>
+                </a:tc>
+                <a:tc>
+                  <a:txBody>
+                    <a:bodyPr/>
+                    <a:lstStyle/>
+                    <a:p>
+                      <a:endParaRPr lang="en-US" sz="1500"/>
+                    </a:p>
+                  </a:txBody>
+                  <a:tcPr/>
+                </a:tc>
+                <a:tc>
+                  <a:txBody>
+                    <a:bodyPr/>
+                    <a:lstStyle/>
+                    <a:p>
+                      <a:endParaRPr lang="en-US" sz="1500"/>
                     </a:p>
                   </a:txBody>
                   <a:tcPr/>
@@ -7467,14 +7467,14 @@
           <a:lstStyle/>
           <a:p>
             <a:r>
-              <a:rPr lang="en-US" dirty="0"/>
+              <a:rPr lang="en-US"/>
               <a:t>A. </a:t>
             </a:r>
             <a:r>
-              <a:rPr lang="en-US" dirty="0" err="1"/>
+              <a:rPr lang="en-US" err="1"/>
               <a:t>finegoldii</a:t>
             </a:r>
-            <a:endParaRPr lang="en-US" dirty="0"/>
+            <a:endParaRPr lang="en-US"/>
           </a:p>
         </p:txBody>
       </p:sp>
@@ -7605,14 +7605,14 @@
           <a:lstStyle/>
           <a:p>
             <a:r>
-              <a:rPr lang="en-US" dirty="0"/>
+              <a:rPr lang="en-US"/>
               <a:t>A. </a:t>
             </a:r>
             <a:r>
-              <a:rPr lang="en-US" dirty="0" err="1"/>
+              <a:rPr lang="en-US" err="1"/>
               <a:t>muciniphila</a:t>
             </a:r>
-            <a:endParaRPr lang="en-US" dirty="0"/>
+            <a:endParaRPr lang="en-US"/>
           </a:p>
         </p:txBody>
       </p:sp>
@@ -7697,23 +7697,23 @@
           <a:lstStyle/>
           <a:p>
             <a:r>
-              <a:rPr lang="en-US" dirty="0"/>
+              <a:rPr lang="en-US"/>
               <a:t>A. </a:t>
             </a:r>
             <a:r>
-              <a:rPr lang="en-US" dirty="0" err="1"/>
+              <a:rPr lang="en-US" err="1"/>
               <a:t>putredinis</a:t>
             </a:r>
             <a:r>
-              <a:rPr lang="en-US" dirty="0"/>
+              <a:rPr lang="en-US"/>
               <a:t> (</a:t>
             </a:r>
             <a:r>
-              <a:rPr lang="en-US" dirty="0" err="1"/>
+              <a:rPr lang="en-US" err="1"/>
               <a:t>sfs</a:t>
             </a:r>
             <a:r>
-              <a:rPr lang="en-US" dirty="0"/>
+              <a:rPr lang="en-US"/>
               <a:t> and likelihood are the same)</a:t>
             </a:r>
           </a:p>
